--- a/HTML/HTML.pptx
+++ b/HTML/HTML.pptx
@@ -5,10 +5,10 @@
     <p:sldMasterId id="2147483648" r:id="rId1"/>
   </p:sldMasterIdLst>
   <p:notesMasterIdLst>
-    <p:notesMasterId r:id="rId26"/>
+    <p:notesMasterId r:id="rId25"/>
   </p:notesMasterIdLst>
   <p:handoutMasterIdLst>
-    <p:handoutMasterId r:id="rId27"/>
+    <p:handoutMasterId r:id="rId26"/>
   </p:handoutMasterIdLst>
   <p:sldIdLst>
     <p:sldId id="440" r:id="rId2"/>
@@ -20,38 +20,37 @@
     <p:sldId id="298" r:id="rId8"/>
     <p:sldId id="301" r:id="rId9"/>
     <p:sldId id="332" r:id="rId10"/>
-    <p:sldId id="334" r:id="rId11"/>
-    <p:sldId id="304" r:id="rId12"/>
-    <p:sldId id="306" r:id="rId13"/>
-    <p:sldId id="307" r:id="rId14"/>
-    <p:sldId id="311" r:id="rId15"/>
-    <p:sldId id="312" r:id="rId16"/>
-    <p:sldId id="314" r:id="rId17"/>
-    <p:sldId id="315" r:id="rId18"/>
-    <p:sldId id="316" r:id="rId19"/>
-    <p:sldId id="317" r:id="rId20"/>
-    <p:sldId id="318" r:id="rId21"/>
-    <p:sldId id="319" r:id="rId22"/>
-    <p:sldId id="320" r:id="rId23"/>
-    <p:sldId id="322" r:id="rId24"/>
-    <p:sldId id="688" r:id="rId25"/>
+    <p:sldId id="304" r:id="rId11"/>
+    <p:sldId id="306" r:id="rId12"/>
+    <p:sldId id="307" r:id="rId13"/>
+    <p:sldId id="311" r:id="rId14"/>
+    <p:sldId id="312" r:id="rId15"/>
+    <p:sldId id="314" r:id="rId16"/>
+    <p:sldId id="315" r:id="rId17"/>
+    <p:sldId id="316" r:id="rId18"/>
+    <p:sldId id="317" r:id="rId19"/>
+    <p:sldId id="318" r:id="rId20"/>
+    <p:sldId id="319" r:id="rId21"/>
+    <p:sldId id="320" r:id="rId22"/>
+    <p:sldId id="322" r:id="rId23"/>
+    <p:sldId id="688" r:id="rId24"/>
   </p:sldIdLst>
   <p:sldSz cx="9144000" cy="5715000" type="screen16x10"/>
   <p:notesSz cx="7099300" cy="10234613"/>
   <p:embeddedFontLst>
     <p:embeddedFont>
       <p:font typeface="Calibri" panose="020F0502020204030204" pitchFamily="34" charset="0"/>
-      <p:regular r:id="rId28"/>
-      <p:bold r:id="rId29"/>
-      <p:italic r:id="rId30"/>
-      <p:boldItalic r:id="rId31"/>
+      <p:regular r:id="rId27"/>
+      <p:bold r:id="rId28"/>
+      <p:italic r:id="rId29"/>
+      <p:boldItalic r:id="rId30"/>
     </p:embeddedFont>
     <p:embeddedFont>
       <p:font typeface="Verdana" panose="020B0604030504040204" pitchFamily="34" charset="0"/>
-      <p:regular r:id="rId32"/>
-      <p:bold r:id="rId33"/>
-      <p:italic r:id="rId34"/>
-      <p:boldItalic r:id="rId35"/>
+      <p:regular r:id="rId31"/>
+      <p:bold r:id="rId32"/>
+      <p:italic r:id="rId33"/>
+      <p:boldItalic r:id="rId34"/>
     </p:embeddedFont>
   </p:embeddedFontLst>
   <p:defaultTextStyle>
@@ -251,7 +250,7 @@
             <a:fld id="{D591C14E-198E-48A7-ABEC-7FB80E868E55}" type="datetimeFigureOut">
               <a:rPr lang="sv-SE" smtClean="0"/>
               <a:pPr/>
-              <a:t>2020-09-01</a:t>
+              <a:t>2022-08-23</a:t>
             </a:fld>
             <a:endParaRPr lang="sv-SE"/>
           </a:p>
@@ -418,7 +417,7 @@
             <a:fld id="{188BB863-C913-48B5-BD1A-638D82A0C76B}" type="datetimeFigureOut">
               <a:rPr lang="sv-SE" smtClean="0"/>
               <a:pPr/>
-              <a:t>2020-09-01</a:t>
+              <a:t>2022-08-23</a:t>
             </a:fld>
             <a:endParaRPr lang="sv-SE"/>
           </a:p>
@@ -849,7 +848,7 @@
             <a:fld id="{87A2DC32-3504-46EA-A4CB-95ED6A325EDF}" type="slidenum">
               <a:rPr lang="sv-SE" smtClean="0"/>
               <a:pPr/>
-              <a:t>13</a:t>
+              <a:t>12</a:t>
             </a:fld>
             <a:endParaRPr lang="sv-SE"/>
           </a:p>
@@ -7435,639 +7434,6 @@
           <a:p>
             <a:r>
               <a:rPr lang="sv-SE" dirty="0"/>
-              <a:t>URL</a:t>
-            </a:r>
-          </a:p>
-        </p:txBody>
-      </p:sp>
-      <p:sp>
-        <p:nvSpPr>
-          <p:cNvPr id="3" name="Subtitle 2"/>
-          <p:cNvSpPr>
-            <a:spLocks noGrp="1"/>
-          </p:cNvSpPr>
-          <p:nvPr>
-            <p:ph type="subTitle" idx="1"/>
-          </p:nvPr>
-        </p:nvSpPr>
-        <p:spPr>
-          <a:xfrm>
-            <a:off x="395536" y="1057300"/>
-            <a:ext cx="8280920" cy="864096"/>
-          </a:xfrm>
-        </p:spPr>
-        <p:txBody>
-          <a:bodyPr/>
-          <a:lstStyle/>
-          <a:p>
-            <a:r>
-              <a:rPr lang="sv-SE" sz="2000" dirty="0"/>
-              <a:t>En </a:t>
-            </a:r>
-            <a:r>
-              <a:rPr lang="sv-SE" sz="2000" b="1" dirty="0"/>
-              <a:t>URL</a:t>
-            </a:r>
-            <a:r>
-              <a:rPr lang="sv-SE" sz="2000" dirty="0"/>
-              <a:t> (Uniform </a:t>
-            </a:r>
-            <a:r>
-              <a:rPr lang="sv-SE" sz="2000" dirty="0" err="1"/>
-              <a:t>Resource</a:t>
-            </a:r>
-            <a:r>
-              <a:rPr lang="sv-SE" sz="2000" dirty="0"/>
-              <a:t> </a:t>
-            </a:r>
-            <a:r>
-              <a:rPr lang="sv-SE" sz="2000" dirty="0" err="1"/>
-              <a:t>Locator</a:t>
-            </a:r>
-            <a:r>
-              <a:rPr lang="sv-SE" sz="2000" dirty="0"/>
-              <a:t>) är en webbsidas adress på Internet. Om du publicerar på </a:t>
-            </a:r>
-            <a:r>
-              <a:rPr lang="sv-SE" sz="2000" dirty="0" err="1"/>
-              <a:t>GitHub</a:t>
-            </a:r>
-            <a:r>
-              <a:rPr lang="sv-SE" sz="2000" dirty="0"/>
-              <a:t> är din adress:</a:t>
-            </a:r>
-          </a:p>
-        </p:txBody>
-      </p:sp>
-      <p:sp>
-        <p:nvSpPr>
-          <p:cNvPr id="4" name="TextBox 3"/>
-          <p:cNvSpPr txBox="1"/>
-          <p:nvPr/>
-        </p:nvSpPr>
-        <p:spPr>
-          <a:xfrm>
-            <a:off x="467544" y="1921396"/>
-            <a:ext cx="7264679" cy="400110"/>
-          </a:xfrm>
-          <a:prstGeom prst="rect">
-            <a:avLst/>
-          </a:prstGeom>
-          <a:noFill/>
-        </p:spPr>
-        <p:txBody>
-          <a:bodyPr wrap="none" rtlCol="0">
-            <a:spAutoFit/>
-          </a:bodyPr>
-          <a:lstStyle/>
-          <a:p>
-            <a:r>
-              <a:rPr lang="sv-SE" sz="2000" b="1" dirty="0">
-                <a:latin typeface="Courier New" pitchFamily="49" charset="0"/>
-                <a:cs typeface="Courier New" pitchFamily="49" charset="0"/>
-              </a:rPr>
-              <a:t>http://</a:t>
-            </a:r>
-            <a:r>
-              <a:rPr lang="sv-SE" sz="2000" b="1" dirty="0" err="1">
-                <a:solidFill>
-                  <a:srgbClr val="FF0000"/>
-                </a:solidFill>
-                <a:latin typeface="Courier New" pitchFamily="49" charset="0"/>
-                <a:cs typeface="Courier New" pitchFamily="49" charset="0"/>
-              </a:rPr>
-              <a:t>användarnamn</a:t>
-            </a:r>
-            <a:r>
-              <a:rPr lang="sv-SE" sz="2000" b="1" dirty="0" err="1">
-                <a:latin typeface="Courier New" pitchFamily="49" charset="0"/>
-                <a:cs typeface="Courier New" pitchFamily="49" charset="0"/>
-              </a:rPr>
-              <a:t>.github.io</a:t>
-            </a:r>
-            <a:r>
-              <a:rPr lang="sv-SE" sz="2000" b="1" dirty="0">
-                <a:latin typeface="Courier New" pitchFamily="49" charset="0"/>
-                <a:cs typeface="Courier New" pitchFamily="49" charset="0"/>
-              </a:rPr>
-              <a:t>/</a:t>
-            </a:r>
-            <a:r>
-              <a:rPr lang="sv-SE" sz="2000" b="1" dirty="0">
-                <a:solidFill>
-                  <a:srgbClr val="FF0000"/>
-                </a:solidFill>
-                <a:latin typeface="Courier New" pitchFamily="49" charset="0"/>
-                <a:cs typeface="Courier New" pitchFamily="49" charset="0"/>
-              </a:rPr>
-              <a:t>repronamn</a:t>
-            </a:r>
-            <a:r>
-              <a:rPr lang="sv-SE" sz="2000" b="1" dirty="0">
-                <a:latin typeface="Courier New" pitchFamily="49" charset="0"/>
-                <a:cs typeface="Courier New" pitchFamily="49" charset="0"/>
-              </a:rPr>
-              <a:t>/</a:t>
-            </a:r>
-            <a:r>
-              <a:rPr lang="sv-SE" sz="2000" b="1" dirty="0">
-                <a:solidFill>
-                  <a:srgbClr val="FF0000"/>
-                </a:solidFill>
-                <a:latin typeface="Courier New" pitchFamily="49" charset="0"/>
-                <a:cs typeface="Courier New" pitchFamily="49" charset="0"/>
-              </a:rPr>
-              <a:t>sökväg</a:t>
-            </a:r>
-          </a:p>
-        </p:txBody>
-      </p:sp>
-      <p:sp>
-        <p:nvSpPr>
-          <p:cNvPr id="6" name="Subtitle 2"/>
-          <p:cNvSpPr txBox="1">
-            <a:spLocks/>
-          </p:cNvSpPr>
-          <p:nvPr/>
-        </p:nvSpPr>
-        <p:spPr>
-          <a:xfrm>
-            <a:off x="395536" y="2497460"/>
-            <a:ext cx="8280920" cy="504056"/>
-          </a:xfrm>
-          <a:prstGeom prst="rect">
-            <a:avLst/>
-          </a:prstGeom>
-        </p:spPr>
-        <p:txBody>
-          <a:bodyPr/>
-          <a:lstStyle>
-            <a:lvl1pPr marL="0" indent="0" algn="l" defTabSz="914400" rtl="0" eaLnBrk="1" latinLnBrk="0" hangingPunct="1">
-              <a:spcBef>
-                <a:spcPct val="20000"/>
-              </a:spcBef>
-              <a:buFont typeface="Arial" pitchFamily="34" charset="0"/>
-              <a:buNone/>
-              <a:defRPr sz="2400" kern="1200">
-                <a:solidFill>
-                  <a:schemeClr val="tx1"/>
-                </a:solidFill>
-                <a:latin typeface="Minya Nouvelle" pitchFamily="2" charset="0"/>
-                <a:ea typeface="+mn-ea"/>
-                <a:cs typeface="+mn-cs"/>
-              </a:defRPr>
-            </a:lvl1pPr>
-            <a:lvl2pPr marL="457200" indent="0" algn="ctr" defTabSz="914400" rtl="0" eaLnBrk="1" latinLnBrk="0" hangingPunct="1">
-              <a:spcBef>
-                <a:spcPct val="20000"/>
-              </a:spcBef>
-              <a:buFont typeface="Arial" pitchFamily="34" charset="0"/>
-              <a:buNone/>
-              <a:defRPr sz="2800" kern="1200">
-                <a:solidFill>
-                  <a:schemeClr val="tx1">
-                    <a:tint val="75000"/>
-                  </a:schemeClr>
-                </a:solidFill>
-                <a:latin typeface="+mn-lt"/>
-                <a:ea typeface="+mn-ea"/>
-                <a:cs typeface="+mn-cs"/>
-              </a:defRPr>
-            </a:lvl2pPr>
-            <a:lvl3pPr marL="914400" indent="0" algn="ctr" defTabSz="914400" rtl="0" eaLnBrk="1" latinLnBrk="0" hangingPunct="1">
-              <a:spcBef>
-                <a:spcPct val="20000"/>
-              </a:spcBef>
-              <a:buFont typeface="Arial" pitchFamily="34" charset="0"/>
-              <a:buNone/>
-              <a:defRPr sz="2400" kern="1200">
-                <a:solidFill>
-                  <a:schemeClr val="tx1">
-                    <a:tint val="75000"/>
-                  </a:schemeClr>
-                </a:solidFill>
-                <a:latin typeface="+mn-lt"/>
-                <a:ea typeface="+mn-ea"/>
-                <a:cs typeface="+mn-cs"/>
-              </a:defRPr>
-            </a:lvl3pPr>
-            <a:lvl4pPr marL="1371600" indent="0" algn="ctr" defTabSz="914400" rtl="0" eaLnBrk="1" latinLnBrk="0" hangingPunct="1">
-              <a:spcBef>
-                <a:spcPct val="20000"/>
-              </a:spcBef>
-              <a:buFont typeface="Arial" pitchFamily="34" charset="0"/>
-              <a:buNone/>
-              <a:defRPr sz="2000" kern="1200">
-                <a:solidFill>
-                  <a:schemeClr val="tx1">
-                    <a:tint val="75000"/>
-                  </a:schemeClr>
-                </a:solidFill>
-                <a:latin typeface="+mn-lt"/>
-                <a:ea typeface="+mn-ea"/>
-                <a:cs typeface="+mn-cs"/>
-              </a:defRPr>
-            </a:lvl4pPr>
-            <a:lvl5pPr marL="1828800" indent="0" algn="ctr" defTabSz="914400" rtl="0" eaLnBrk="1" latinLnBrk="0" hangingPunct="1">
-              <a:spcBef>
-                <a:spcPct val="20000"/>
-              </a:spcBef>
-              <a:buFont typeface="Arial" pitchFamily="34" charset="0"/>
-              <a:buNone/>
-              <a:defRPr sz="2000" kern="1200">
-                <a:solidFill>
-                  <a:schemeClr val="tx1">
-                    <a:tint val="75000"/>
-                  </a:schemeClr>
-                </a:solidFill>
-                <a:latin typeface="+mn-lt"/>
-                <a:ea typeface="+mn-ea"/>
-                <a:cs typeface="+mn-cs"/>
-              </a:defRPr>
-            </a:lvl5pPr>
-            <a:lvl6pPr marL="2286000" indent="0" algn="ctr" defTabSz="914400" rtl="0" eaLnBrk="1" latinLnBrk="0" hangingPunct="1">
-              <a:spcBef>
-                <a:spcPct val="20000"/>
-              </a:spcBef>
-              <a:buFont typeface="Arial" pitchFamily="34" charset="0"/>
-              <a:buNone/>
-              <a:defRPr sz="2000" kern="1200">
-                <a:solidFill>
-                  <a:schemeClr val="tx1">
-                    <a:tint val="75000"/>
-                  </a:schemeClr>
-                </a:solidFill>
-                <a:latin typeface="+mn-lt"/>
-                <a:ea typeface="+mn-ea"/>
-                <a:cs typeface="+mn-cs"/>
-              </a:defRPr>
-            </a:lvl6pPr>
-            <a:lvl7pPr marL="2743200" indent="0" algn="ctr" defTabSz="914400" rtl="0" eaLnBrk="1" latinLnBrk="0" hangingPunct="1">
-              <a:spcBef>
-                <a:spcPct val="20000"/>
-              </a:spcBef>
-              <a:buFont typeface="Arial" pitchFamily="34" charset="0"/>
-              <a:buNone/>
-              <a:defRPr sz="2000" kern="1200">
-                <a:solidFill>
-                  <a:schemeClr val="tx1">
-                    <a:tint val="75000"/>
-                  </a:schemeClr>
-                </a:solidFill>
-                <a:latin typeface="+mn-lt"/>
-                <a:ea typeface="+mn-ea"/>
-                <a:cs typeface="+mn-cs"/>
-              </a:defRPr>
-            </a:lvl7pPr>
-            <a:lvl8pPr marL="3200400" indent="0" algn="ctr" defTabSz="914400" rtl="0" eaLnBrk="1" latinLnBrk="0" hangingPunct="1">
-              <a:spcBef>
-                <a:spcPct val="20000"/>
-              </a:spcBef>
-              <a:buFont typeface="Arial" pitchFamily="34" charset="0"/>
-              <a:buNone/>
-              <a:defRPr sz="2000" kern="1200">
-                <a:solidFill>
-                  <a:schemeClr val="tx1">
-                    <a:tint val="75000"/>
-                  </a:schemeClr>
-                </a:solidFill>
-                <a:latin typeface="+mn-lt"/>
-                <a:ea typeface="+mn-ea"/>
-                <a:cs typeface="+mn-cs"/>
-              </a:defRPr>
-            </a:lvl8pPr>
-            <a:lvl9pPr marL="3657600" indent="0" algn="ctr" defTabSz="914400" rtl="0" eaLnBrk="1" latinLnBrk="0" hangingPunct="1">
-              <a:spcBef>
-                <a:spcPct val="20000"/>
-              </a:spcBef>
-              <a:buFont typeface="Arial" pitchFamily="34" charset="0"/>
-              <a:buNone/>
-              <a:defRPr sz="2000" kern="1200">
-                <a:solidFill>
-                  <a:schemeClr val="tx1">
-                    <a:tint val="75000"/>
-                  </a:schemeClr>
-                </a:solidFill>
-                <a:latin typeface="+mn-lt"/>
-                <a:ea typeface="+mn-ea"/>
-                <a:cs typeface="+mn-cs"/>
-              </a:defRPr>
-            </a:lvl9pPr>
-          </a:lstStyle>
-          <a:p>
-            <a:r>
-              <a:rPr lang="sv-SE" sz="2000" dirty="0"/>
-              <a:t>Exempelvis givet:</a:t>
-            </a:r>
-          </a:p>
-        </p:txBody>
-      </p:sp>
-      <p:sp>
-        <p:nvSpPr>
-          <p:cNvPr id="7" name="TextBox 6"/>
-          <p:cNvSpPr txBox="1"/>
-          <p:nvPr/>
-        </p:nvSpPr>
-        <p:spPr>
-          <a:xfrm>
-            <a:off x="467544" y="2929508"/>
-            <a:ext cx="4955979" cy="1015663"/>
-          </a:xfrm>
-          <a:prstGeom prst="rect">
-            <a:avLst/>
-          </a:prstGeom>
-          <a:noFill/>
-        </p:spPr>
-        <p:txBody>
-          <a:bodyPr wrap="none" rtlCol="0">
-            <a:spAutoFit/>
-          </a:bodyPr>
-          <a:lstStyle/>
-          <a:p>
-            <a:r>
-              <a:rPr lang="sv-SE" sz="2000" b="1" dirty="0">
-                <a:solidFill>
-                  <a:srgbClr val="FF0000"/>
-                </a:solidFill>
-                <a:latin typeface="Courier New" pitchFamily="49" charset="0"/>
-                <a:cs typeface="Courier New" pitchFamily="49" charset="0"/>
-              </a:rPr>
-              <a:t>Användarnamn</a:t>
-            </a:r>
-            <a:r>
-              <a:rPr lang="sv-SE" sz="2000" b="1" dirty="0">
-                <a:latin typeface="Courier New" pitchFamily="49" charset="0"/>
-                <a:cs typeface="Courier New" pitchFamily="49" charset="0"/>
-              </a:rPr>
-              <a:t> = xx222yy</a:t>
-            </a:r>
-          </a:p>
-          <a:p>
-            <a:r>
-              <a:rPr lang="sv-SE" sz="2000" b="1" dirty="0">
-                <a:solidFill>
-                  <a:srgbClr val="FF0000"/>
-                </a:solidFill>
-                <a:latin typeface="Courier New" pitchFamily="49" charset="0"/>
-                <a:cs typeface="Courier New" pitchFamily="49" charset="0"/>
-              </a:rPr>
-              <a:t>Repronamn </a:t>
-            </a:r>
-            <a:r>
-              <a:rPr lang="sv-SE" sz="2000" b="1" dirty="0">
-                <a:solidFill>
-                  <a:srgbClr val="000000"/>
-                </a:solidFill>
-                <a:latin typeface="Courier New" pitchFamily="49" charset="0"/>
-                <a:cs typeface="Courier New" pitchFamily="49" charset="0"/>
-              </a:rPr>
-              <a:t>= 1dv435-laborationer</a:t>
-            </a:r>
-          </a:p>
-          <a:p>
-            <a:r>
-              <a:rPr lang="sv-SE" sz="2000" b="1" dirty="0">
-                <a:solidFill>
-                  <a:srgbClr val="FF0000"/>
-                </a:solidFill>
-                <a:latin typeface="Courier New" pitchFamily="49" charset="0"/>
-                <a:cs typeface="Courier New" pitchFamily="49" charset="0"/>
-              </a:rPr>
-              <a:t>Sökväg </a:t>
-            </a:r>
-            <a:r>
-              <a:rPr lang="sv-SE" sz="2000" b="1" dirty="0">
-                <a:latin typeface="Courier New" pitchFamily="49" charset="0"/>
-                <a:cs typeface="Courier New" pitchFamily="49" charset="0"/>
-              </a:rPr>
-              <a:t>= pages/</a:t>
-            </a:r>
-            <a:r>
-              <a:rPr lang="sv-SE" sz="2000" b="1" dirty="0" err="1">
-                <a:latin typeface="Courier New" pitchFamily="49" charset="0"/>
-                <a:cs typeface="Courier New" pitchFamily="49" charset="0"/>
-              </a:rPr>
-              <a:t>kontakt.html</a:t>
-            </a:r>
-            <a:endParaRPr lang="sv-SE" sz="2000" b="1" dirty="0">
-              <a:latin typeface="Courier New" pitchFamily="49" charset="0"/>
-              <a:cs typeface="Courier New" pitchFamily="49" charset="0"/>
-            </a:endParaRPr>
-          </a:p>
-        </p:txBody>
-      </p:sp>
-      <p:sp>
-        <p:nvSpPr>
-          <p:cNvPr id="8" name="TextBox 7"/>
-          <p:cNvSpPr txBox="1"/>
-          <p:nvPr/>
-        </p:nvSpPr>
-        <p:spPr>
-          <a:xfrm>
-            <a:off x="232449" y="4225652"/>
-            <a:ext cx="8911551" cy="369332"/>
-          </a:xfrm>
-          <a:prstGeom prst="rect">
-            <a:avLst/>
-          </a:prstGeom>
-          <a:noFill/>
-        </p:spPr>
-        <p:txBody>
-          <a:bodyPr wrap="none" rtlCol="0">
-            <a:spAutoFit/>
-          </a:bodyPr>
-          <a:lstStyle/>
-          <a:p>
-            <a:r>
-              <a:rPr lang="sv-SE" b="1" dirty="0">
-                <a:latin typeface="Courier New" pitchFamily="49" charset="0"/>
-                <a:cs typeface="Courier New" pitchFamily="49" charset="0"/>
-              </a:rPr>
-              <a:t>http://xx222yy.github.io/1dv435-laborationer/pages/</a:t>
-            </a:r>
-            <a:r>
-              <a:rPr lang="sv-SE" b="1" dirty="0" err="1">
-                <a:latin typeface="Courier New" pitchFamily="49" charset="0"/>
-                <a:cs typeface="Courier New" pitchFamily="49" charset="0"/>
-              </a:rPr>
-              <a:t>kontakt.html</a:t>
-            </a:r>
-            <a:endParaRPr lang="sv-SE" b="1" dirty="0">
-              <a:latin typeface="Courier New" pitchFamily="49" charset="0"/>
-              <a:cs typeface="Courier New" pitchFamily="49" charset="0"/>
-            </a:endParaRPr>
-          </a:p>
-        </p:txBody>
-      </p:sp>
-    </p:spTree>
-    <p:extLst>
-      <p:ext uri="{BB962C8B-B14F-4D97-AF65-F5344CB8AC3E}">
-        <p14:creationId xmlns:p14="http://schemas.microsoft.com/office/powerpoint/2010/main" val="1372583242"/>
-      </p:ext>
-    </p:extLst>
-  </p:cSld>
-  <p:clrMapOvr>
-    <a:masterClrMapping/>
-  </p:clrMapOvr>
-  <p:timing>
-    <p:tnLst>
-      <p:par>
-        <p:cTn id="1" dur="indefinite" restart="never" nodeType="tmRoot">
-          <p:childTnLst>
-            <p:seq concurrent="1" nextAc="seek">
-              <p:cTn id="2" dur="indefinite" nodeType="mainSeq">
-                <p:childTnLst>
-                  <p:par>
-                    <p:cTn id="3" fill="hold">
-                      <p:stCondLst>
-                        <p:cond delay="indefinite"/>
-                      </p:stCondLst>
-                      <p:childTnLst>
-                        <p:par>
-                          <p:cTn id="4" fill="hold">
-                            <p:stCondLst>
-                              <p:cond delay="0"/>
-                            </p:stCondLst>
-                            <p:childTnLst>
-                              <p:par>
-                                <p:cTn id="5" presetID="10" presetClass="entr" presetSubtype="0" fill="hold" grpId="0" nodeType="clickEffect">
-                                  <p:stCondLst>
-                                    <p:cond delay="0"/>
-                                  </p:stCondLst>
-                                  <p:childTnLst>
-                                    <p:set>
-                                      <p:cBhvr>
-                                        <p:cTn id="6" dur="1" fill="hold">
-                                          <p:stCondLst>
-                                            <p:cond delay="0"/>
-                                          </p:stCondLst>
-                                        </p:cTn>
-                                        <p:tgtEl>
-                                          <p:spTgt spid="7"/>
-                                        </p:tgtEl>
-                                        <p:attrNameLst>
-                                          <p:attrName>style.visibility</p:attrName>
-                                        </p:attrNameLst>
-                                      </p:cBhvr>
-                                      <p:to>
-                                        <p:strVal val="visible"/>
-                                      </p:to>
-                                    </p:set>
-                                    <p:animEffect transition="in" filter="fade">
-                                      <p:cBhvr>
-                                        <p:cTn id="7" dur="500"/>
-                                        <p:tgtEl>
-                                          <p:spTgt spid="7"/>
-                                        </p:tgtEl>
-                                      </p:cBhvr>
-                                    </p:animEffect>
-                                  </p:childTnLst>
-                                </p:cTn>
-                              </p:par>
-                              <p:par>
-                                <p:cTn id="8" presetID="10" presetClass="entr" presetSubtype="0" fill="hold" grpId="0" nodeType="withEffect">
-                                  <p:stCondLst>
-                                    <p:cond delay="0"/>
-                                  </p:stCondLst>
-                                  <p:childTnLst>
-                                    <p:set>
-                                      <p:cBhvr>
-                                        <p:cTn id="9" dur="1" fill="hold">
-                                          <p:stCondLst>
-                                            <p:cond delay="0"/>
-                                          </p:stCondLst>
-                                        </p:cTn>
-                                        <p:tgtEl>
-                                          <p:spTgt spid="8"/>
-                                        </p:tgtEl>
-                                        <p:attrNameLst>
-                                          <p:attrName>style.visibility</p:attrName>
-                                        </p:attrNameLst>
-                                      </p:cBhvr>
-                                      <p:to>
-                                        <p:strVal val="visible"/>
-                                      </p:to>
-                                    </p:set>
-                                    <p:animEffect transition="in" filter="fade">
-                                      <p:cBhvr>
-                                        <p:cTn id="10" dur="500"/>
-                                        <p:tgtEl>
-                                          <p:spTgt spid="8"/>
-                                        </p:tgtEl>
-                                      </p:cBhvr>
-                                    </p:animEffect>
-                                  </p:childTnLst>
-                                </p:cTn>
-                              </p:par>
-                            </p:childTnLst>
-                          </p:cTn>
-                        </p:par>
-                      </p:childTnLst>
-                    </p:cTn>
-                  </p:par>
-                </p:childTnLst>
-              </p:cTn>
-              <p:prevCondLst>
-                <p:cond evt="onPrev" delay="0">
-                  <p:tgtEl>
-                    <p:sldTgt/>
-                  </p:tgtEl>
-                </p:cond>
-              </p:prevCondLst>
-              <p:nextCondLst>
-                <p:cond evt="onNext" delay="0">
-                  <p:tgtEl>
-                    <p:sldTgt/>
-                  </p:tgtEl>
-                </p:cond>
-              </p:nextCondLst>
-            </p:seq>
-          </p:childTnLst>
-        </p:cTn>
-      </p:par>
-    </p:tnLst>
-    <p:bldLst>
-      <p:bldP spid="7" grpId="0"/>
-      <p:bldP spid="8" grpId="0"/>
-    </p:bldLst>
-  </p:timing>
-</p:sld>
-</file>
-
-<file path=ppt/slides/slide11.xml><?xml version="1.0" encoding="utf-8"?>
-<p:sld xmlns:a="http://schemas.openxmlformats.org/drawingml/2006/main" xmlns:r="http://schemas.openxmlformats.org/officeDocument/2006/relationships" xmlns:p="http://schemas.openxmlformats.org/presentationml/2006/main">
-  <p:cSld>
-    <p:spTree>
-      <p:nvGrpSpPr>
-        <p:cNvPr id="1" name=""/>
-        <p:cNvGrpSpPr/>
-        <p:nvPr/>
-      </p:nvGrpSpPr>
-      <p:grpSpPr>
-        <a:xfrm>
-          <a:off x="0" y="0"/>
-          <a:ext cx="0" cy="0"/>
-          <a:chOff x="0" y="0"/>
-          <a:chExt cx="0" cy="0"/>
-        </a:xfrm>
-      </p:grpSpPr>
-      <p:sp>
-        <p:nvSpPr>
-          <p:cNvPr id="2" name="Title 1"/>
-          <p:cNvSpPr>
-            <a:spLocks noGrp="1"/>
-          </p:cNvSpPr>
-          <p:nvPr>
-            <p:ph type="ctrTitle"/>
-          </p:nvPr>
-        </p:nvSpPr>
-        <p:spPr/>
-        <p:txBody>
-          <a:bodyPr/>
-          <a:lstStyle/>
-          <a:p>
-            <a:r>
-              <a:rPr lang="sv-SE" dirty="0"/>
               <a:t>&lt;</a:t>
             </a:r>
             <a:r>
@@ -8612,7 +7978,7 @@
 </p:sld>
 </file>
 
-<file path=ppt/slides/slide12.xml><?xml version="1.0" encoding="utf-8"?>
+<file path=ppt/slides/slide11.xml><?xml version="1.0" encoding="utf-8"?>
 <p:sld xmlns:a="http://schemas.openxmlformats.org/drawingml/2006/main" xmlns:r="http://schemas.openxmlformats.org/officeDocument/2006/relationships" xmlns:p="http://schemas.openxmlformats.org/presentationml/2006/main">
   <p:cSld>
     <p:spTree>
@@ -9527,7 +8893,7 @@
 </p:sld>
 </file>
 
-<file path=ppt/slides/slide13.xml><?xml version="1.0" encoding="utf-8"?>
+<file path=ppt/slides/slide12.xml><?xml version="1.0" encoding="utf-8"?>
 <p:sld xmlns:a="http://schemas.openxmlformats.org/drawingml/2006/main" xmlns:r="http://schemas.openxmlformats.org/officeDocument/2006/relationships" xmlns:p="http://schemas.openxmlformats.org/presentationml/2006/main">
   <p:cSld>
     <p:spTree>
@@ -11222,7 +10588,7 @@
 </p:sld>
 </file>
 
-<file path=ppt/slides/slide14.xml><?xml version="1.0" encoding="utf-8"?>
+<file path=ppt/slides/slide13.xml><?xml version="1.0" encoding="utf-8"?>
 <p:sld xmlns:a="http://schemas.openxmlformats.org/drawingml/2006/main" xmlns:r="http://schemas.openxmlformats.org/officeDocument/2006/relationships" xmlns:p="http://schemas.openxmlformats.org/presentationml/2006/main">
   <p:cSld>
     <p:spTree>
@@ -11293,7 +10659,7 @@
           <a:noFill/>
           <a:extLst>
             <a:ext uri="{909E8E84-426E-40dd-AFC4-6F175D3DCCD1}">
-              <a14:hiddenFill xmlns:a14="http://schemas.microsoft.com/office/drawing/2010/main" xmlns="">
+              <a14:hiddenFill xmlns="" xmlns:a14="http://schemas.microsoft.com/office/drawing/2010/main">
                 <a:solidFill>
                   <a:srgbClr val="FFFFFF"/>
                 </a:solidFill>
@@ -11315,7 +10681,7 @@
 </p:sld>
 </file>
 
-<file path=ppt/slides/slide15.xml><?xml version="1.0" encoding="utf-8"?>
+<file path=ppt/slides/slide14.xml><?xml version="1.0" encoding="utf-8"?>
 <p:sld xmlns:a="http://schemas.openxmlformats.org/drawingml/2006/main" xmlns:r="http://schemas.openxmlformats.org/officeDocument/2006/relationships" xmlns:p="http://schemas.openxmlformats.org/presentationml/2006/main">
   <p:cSld>
     <p:spTree>
@@ -11386,7 +10752,7 @@
           <a:noFill/>
           <a:extLst>
             <a:ext uri="{909E8E84-426E-40dd-AFC4-6F175D3DCCD1}">
-              <a14:hiddenFill xmlns:a14="http://schemas.microsoft.com/office/drawing/2010/main" xmlns="">
+              <a14:hiddenFill xmlns="" xmlns:a14="http://schemas.microsoft.com/office/drawing/2010/main">
                 <a:solidFill>
                   <a:srgbClr val="FFFFFF"/>
                 </a:solidFill>
@@ -11476,14 +10842,14 @@
           <a:effectLst/>
           <a:extLst>
             <a:ext uri="{909E8E84-426E-40dd-AFC4-6F175D3DCCD1}">
-              <a14:hiddenFill xmlns:a14="http://schemas.microsoft.com/office/drawing/2010/main" xmlns="">
+              <a14:hiddenFill xmlns="" xmlns:a14="http://schemas.microsoft.com/office/drawing/2010/main">
                 <a:solidFill>
                   <a:schemeClr val="accent1"/>
                 </a:solidFill>
               </a14:hiddenFill>
             </a:ext>
             <a:ext uri="{91240B29-F687-4f45-9708-019B960494DF}">
-              <a14:hiddenLine xmlns:a14="http://schemas.microsoft.com/office/drawing/2010/main" xmlns="" w="9525">
+              <a14:hiddenLine xmlns="" xmlns:a14="http://schemas.microsoft.com/office/drawing/2010/main" w="9525">
                 <a:solidFill>
                   <a:schemeClr val="tx1"/>
                 </a:solidFill>
@@ -11493,7 +10859,7 @@
               </a14:hiddenLine>
             </a:ext>
             <a:ext uri="{AF507438-7753-43e0-B8FC-AC1667EBCBE1}">
-              <a14:hiddenEffects xmlns:a14="http://schemas.microsoft.com/office/drawing/2010/main" xmlns="">
+              <a14:hiddenEffects xmlns="" xmlns:a14="http://schemas.microsoft.com/office/drawing/2010/main">
                 <a:effectLst>
                   <a:outerShdw dist="35921" dir="2700000" algn="ctr" rotWithShape="0">
                     <a:schemeClr val="bg2"/>
@@ -11540,14 +10906,14 @@
           <a:effectLst/>
           <a:extLst>
             <a:ext uri="{909E8E84-426E-40dd-AFC4-6F175D3DCCD1}">
-              <a14:hiddenFill xmlns:a14="http://schemas.microsoft.com/office/drawing/2010/main" xmlns="">
+              <a14:hiddenFill xmlns="" xmlns:a14="http://schemas.microsoft.com/office/drawing/2010/main">
                 <a:solidFill>
                   <a:schemeClr val="accent1"/>
                 </a:solidFill>
               </a14:hiddenFill>
             </a:ext>
             <a:ext uri="{91240B29-F687-4f45-9708-019B960494DF}">
-              <a14:hiddenLine xmlns:a14="http://schemas.microsoft.com/office/drawing/2010/main" xmlns="" w="9525">
+              <a14:hiddenLine xmlns="" xmlns:a14="http://schemas.microsoft.com/office/drawing/2010/main" w="9525">
                 <a:solidFill>
                   <a:schemeClr val="tx1"/>
                 </a:solidFill>
@@ -11557,7 +10923,7 @@
               </a14:hiddenLine>
             </a:ext>
             <a:ext uri="{AF507438-7753-43e0-B8FC-AC1667EBCBE1}">
-              <a14:hiddenEffects xmlns:a14="http://schemas.microsoft.com/office/drawing/2010/main" xmlns="">
+              <a14:hiddenEffects xmlns="" xmlns:a14="http://schemas.microsoft.com/office/drawing/2010/main">
                 <a:effectLst>
                   <a:outerShdw dist="35921" dir="2700000" algn="ctr" rotWithShape="0">
                     <a:schemeClr val="bg2"/>
@@ -11729,7 +11095,7 @@
 </p:sld>
 </file>
 
-<file path=ppt/slides/slide16.xml><?xml version="1.0" encoding="utf-8"?>
+<file path=ppt/slides/slide15.xml><?xml version="1.0" encoding="utf-8"?>
 <p:sld xmlns:a="http://schemas.openxmlformats.org/drawingml/2006/main" xmlns:r="http://schemas.openxmlformats.org/officeDocument/2006/relationships" xmlns:p="http://schemas.openxmlformats.org/presentationml/2006/main">
   <p:cSld>
     <p:spTree>
@@ -11800,7 +11166,7 @@
           <a:noFill/>
           <a:extLst>
             <a:ext uri="{909E8E84-426E-40dd-AFC4-6F175D3DCCD1}">
-              <a14:hiddenFill xmlns:a14="http://schemas.microsoft.com/office/drawing/2010/main" xmlns="">
+              <a14:hiddenFill xmlns="" xmlns:a14="http://schemas.microsoft.com/office/drawing/2010/main">
                 <a:solidFill>
                   <a:srgbClr val="FFFFFF"/>
                 </a:solidFill>
@@ -11889,14 +11255,14 @@
           <a:effectLst/>
           <a:extLst>
             <a:ext uri="{909E8E84-426E-40dd-AFC4-6F175D3DCCD1}">
-              <a14:hiddenFill xmlns:a14="http://schemas.microsoft.com/office/drawing/2010/main" xmlns="">
+              <a14:hiddenFill xmlns="" xmlns:a14="http://schemas.microsoft.com/office/drawing/2010/main">
                 <a:solidFill>
                   <a:schemeClr val="accent1"/>
                 </a:solidFill>
               </a14:hiddenFill>
             </a:ext>
             <a:ext uri="{91240B29-F687-4f45-9708-019B960494DF}">
-              <a14:hiddenLine xmlns:a14="http://schemas.microsoft.com/office/drawing/2010/main" xmlns="" w="9525">
+              <a14:hiddenLine xmlns="" xmlns:a14="http://schemas.microsoft.com/office/drawing/2010/main" w="9525">
                 <a:solidFill>
                   <a:schemeClr val="tx1"/>
                 </a:solidFill>
@@ -11906,7 +11272,7 @@
               </a14:hiddenLine>
             </a:ext>
             <a:ext uri="{AF507438-7753-43e0-B8FC-AC1667EBCBE1}">
-              <a14:hiddenEffects xmlns:a14="http://schemas.microsoft.com/office/drawing/2010/main" xmlns="">
+              <a14:hiddenEffects xmlns="" xmlns:a14="http://schemas.microsoft.com/office/drawing/2010/main">
                 <a:effectLst>
                   <a:outerShdw dist="35921" dir="2700000" algn="ctr" rotWithShape="0">
                     <a:schemeClr val="bg2"/>
@@ -11953,14 +11319,14 @@
           <a:effectLst/>
           <a:extLst>
             <a:ext uri="{909E8E84-426E-40dd-AFC4-6F175D3DCCD1}">
-              <a14:hiddenFill xmlns:a14="http://schemas.microsoft.com/office/drawing/2010/main" xmlns="">
+              <a14:hiddenFill xmlns="" xmlns:a14="http://schemas.microsoft.com/office/drawing/2010/main">
                 <a:solidFill>
                   <a:schemeClr val="accent1"/>
                 </a:solidFill>
               </a14:hiddenFill>
             </a:ext>
             <a:ext uri="{91240B29-F687-4f45-9708-019B960494DF}">
-              <a14:hiddenLine xmlns:a14="http://schemas.microsoft.com/office/drawing/2010/main" xmlns="" w="9525">
+              <a14:hiddenLine xmlns="" xmlns:a14="http://schemas.microsoft.com/office/drawing/2010/main" w="9525">
                 <a:solidFill>
                   <a:schemeClr val="tx1"/>
                 </a:solidFill>
@@ -11970,7 +11336,7 @@
               </a14:hiddenLine>
             </a:ext>
             <a:ext uri="{AF507438-7753-43e0-B8FC-AC1667EBCBE1}">
-              <a14:hiddenEffects xmlns:a14="http://schemas.microsoft.com/office/drawing/2010/main" xmlns="">
+              <a14:hiddenEffects xmlns="" xmlns:a14="http://schemas.microsoft.com/office/drawing/2010/main">
                 <a:effectLst>
                   <a:outerShdw dist="35921" dir="2700000" algn="ctr" rotWithShape="0">
                     <a:schemeClr val="bg2"/>
@@ -12061,14 +11427,14 @@
           <a:effectLst/>
           <a:extLst>
             <a:ext uri="{909E8E84-426E-40dd-AFC4-6F175D3DCCD1}">
-              <a14:hiddenFill xmlns:a14="http://schemas.microsoft.com/office/drawing/2010/main" xmlns="">
+              <a14:hiddenFill xmlns="" xmlns:a14="http://schemas.microsoft.com/office/drawing/2010/main">
                 <a:solidFill>
                   <a:schemeClr val="accent1"/>
                 </a:solidFill>
               </a14:hiddenFill>
             </a:ext>
             <a:ext uri="{91240B29-F687-4f45-9708-019B960494DF}">
-              <a14:hiddenLine xmlns:a14="http://schemas.microsoft.com/office/drawing/2010/main" xmlns="" w="9525">
+              <a14:hiddenLine xmlns="" xmlns:a14="http://schemas.microsoft.com/office/drawing/2010/main" w="9525">
                 <a:solidFill>
                   <a:schemeClr val="tx1"/>
                 </a:solidFill>
@@ -12078,7 +11444,7 @@
               </a14:hiddenLine>
             </a:ext>
             <a:ext uri="{AF507438-7753-43e0-B8FC-AC1667EBCBE1}">
-              <a14:hiddenEffects xmlns:a14="http://schemas.microsoft.com/office/drawing/2010/main" xmlns="">
+              <a14:hiddenEffects xmlns="" xmlns:a14="http://schemas.microsoft.com/office/drawing/2010/main">
                 <a:effectLst>
                   <a:outerShdw dist="35921" dir="2700000" algn="ctr" rotWithShape="0">
                     <a:schemeClr val="bg2"/>
@@ -12197,7 +11563,7 @@
 </p:sld>
 </file>
 
-<file path=ppt/slides/slide17.xml><?xml version="1.0" encoding="utf-8"?>
+<file path=ppt/slides/slide16.xml><?xml version="1.0" encoding="utf-8"?>
 <p:sld xmlns:a="http://schemas.openxmlformats.org/drawingml/2006/main" xmlns:r="http://schemas.openxmlformats.org/officeDocument/2006/relationships" xmlns:p="http://schemas.openxmlformats.org/presentationml/2006/main">
   <p:cSld>
     <p:spTree>
@@ -12268,7 +11634,7 @@
           <a:noFill/>
           <a:extLst>
             <a:ext uri="{909E8E84-426E-40dd-AFC4-6F175D3DCCD1}">
-              <a14:hiddenFill xmlns:a14="http://schemas.microsoft.com/office/drawing/2010/main" xmlns="">
+              <a14:hiddenFill xmlns="" xmlns:a14="http://schemas.microsoft.com/office/drawing/2010/main">
                 <a:solidFill>
                   <a:srgbClr val="FFFFFF"/>
                 </a:solidFill>
@@ -12357,14 +11723,14 @@
           <a:effectLst/>
           <a:extLst>
             <a:ext uri="{909E8E84-426E-40dd-AFC4-6F175D3DCCD1}">
-              <a14:hiddenFill xmlns:a14="http://schemas.microsoft.com/office/drawing/2010/main" xmlns="">
+              <a14:hiddenFill xmlns="" xmlns:a14="http://schemas.microsoft.com/office/drawing/2010/main">
                 <a:solidFill>
                   <a:schemeClr val="accent1"/>
                 </a:solidFill>
               </a14:hiddenFill>
             </a:ext>
             <a:ext uri="{91240B29-F687-4f45-9708-019B960494DF}">
-              <a14:hiddenLine xmlns:a14="http://schemas.microsoft.com/office/drawing/2010/main" xmlns="" w="9525">
+              <a14:hiddenLine xmlns="" xmlns:a14="http://schemas.microsoft.com/office/drawing/2010/main" w="9525">
                 <a:solidFill>
                   <a:schemeClr val="tx1"/>
                 </a:solidFill>
@@ -12374,7 +11740,7 @@
               </a14:hiddenLine>
             </a:ext>
             <a:ext uri="{AF507438-7753-43e0-B8FC-AC1667EBCBE1}">
-              <a14:hiddenEffects xmlns:a14="http://schemas.microsoft.com/office/drawing/2010/main" xmlns="">
+              <a14:hiddenEffects xmlns="" xmlns:a14="http://schemas.microsoft.com/office/drawing/2010/main">
                 <a:effectLst>
                   <a:outerShdw dist="35921" dir="2700000" algn="ctr" rotWithShape="0">
                     <a:schemeClr val="bg2"/>
@@ -12421,14 +11787,14 @@
           <a:effectLst/>
           <a:extLst>
             <a:ext uri="{909E8E84-426E-40dd-AFC4-6F175D3DCCD1}">
-              <a14:hiddenFill xmlns:a14="http://schemas.microsoft.com/office/drawing/2010/main" xmlns="">
+              <a14:hiddenFill xmlns="" xmlns:a14="http://schemas.microsoft.com/office/drawing/2010/main">
                 <a:solidFill>
                   <a:schemeClr val="accent1"/>
                 </a:solidFill>
               </a14:hiddenFill>
             </a:ext>
             <a:ext uri="{91240B29-F687-4f45-9708-019B960494DF}">
-              <a14:hiddenLine xmlns:a14="http://schemas.microsoft.com/office/drawing/2010/main" xmlns="" w="9525">
+              <a14:hiddenLine xmlns="" xmlns:a14="http://schemas.microsoft.com/office/drawing/2010/main" w="9525">
                 <a:solidFill>
                   <a:schemeClr val="tx1"/>
                 </a:solidFill>
@@ -12438,7 +11804,7 @@
               </a14:hiddenLine>
             </a:ext>
             <a:ext uri="{AF507438-7753-43e0-B8FC-AC1667EBCBE1}">
-              <a14:hiddenEffects xmlns:a14="http://schemas.microsoft.com/office/drawing/2010/main" xmlns="">
+              <a14:hiddenEffects xmlns="" xmlns:a14="http://schemas.microsoft.com/office/drawing/2010/main">
                 <a:effectLst>
                   <a:outerShdw dist="35921" dir="2700000" algn="ctr" rotWithShape="0">
                     <a:schemeClr val="bg2"/>
@@ -12573,14 +11939,14 @@
           <a:effectLst/>
           <a:extLst>
             <a:ext uri="{909E8E84-426E-40dd-AFC4-6F175D3DCCD1}">
-              <a14:hiddenFill xmlns:a14="http://schemas.microsoft.com/office/drawing/2010/main" xmlns="">
+              <a14:hiddenFill xmlns="" xmlns:a14="http://schemas.microsoft.com/office/drawing/2010/main">
                 <a:solidFill>
                   <a:schemeClr val="accent1"/>
                 </a:solidFill>
               </a14:hiddenFill>
             </a:ext>
             <a:ext uri="{91240B29-F687-4f45-9708-019B960494DF}">
-              <a14:hiddenLine xmlns:a14="http://schemas.microsoft.com/office/drawing/2010/main" xmlns="" w="9525">
+              <a14:hiddenLine xmlns="" xmlns:a14="http://schemas.microsoft.com/office/drawing/2010/main" w="9525">
                 <a:solidFill>
                   <a:schemeClr val="tx1"/>
                 </a:solidFill>
@@ -12590,7 +11956,7 @@
               </a14:hiddenLine>
             </a:ext>
             <a:ext uri="{AF507438-7753-43e0-B8FC-AC1667EBCBE1}">
-              <a14:hiddenEffects xmlns:a14="http://schemas.microsoft.com/office/drawing/2010/main" xmlns="">
+              <a14:hiddenEffects xmlns="" xmlns:a14="http://schemas.microsoft.com/office/drawing/2010/main">
                 <a:effectLst>
                   <a:outerShdw dist="35921" dir="2700000" algn="ctr" rotWithShape="0">
                     <a:schemeClr val="bg2"/>
@@ -13228,7 +12594,7 @@
 </p:sld>
 </file>
 
-<file path=ppt/slides/slide18.xml><?xml version="1.0" encoding="utf-8"?>
+<file path=ppt/slides/slide17.xml><?xml version="1.0" encoding="utf-8"?>
 <p:sld xmlns:a="http://schemas.openxmlformats.org/drawingml/2006/main" xmlns:r="http://schemas.openxmlformats.org/officeDocument/2006/relationships" xmlns:p="http://schemas.openxmlformats.org/presentationml/2006/main">
   <p:cSld>
     <p:spTree>
@@ -13299,7 +12665,7 @@
           <a:noFill/>
           <a:extLst>
             <a:ext uri="{909E8E84-426E-40dd-AFC4-6F175D3DCCD1}">
-              <a14:hiddenFill xmlns:a14="http://schemas.microsoft.com/office/drawing/2010/main" xmlns="">
+              <a14:hiddenFill xmlns="" xmlns:a14="http://schemas.microsoft.com/office/drawing/2010/main">
                 <a:solidFill>
                   <a:srgbClr val="FFFFFF"/>
                 </a:solidFill>
@@ -13388,14 +12754,14 @@
           <a:effectLst/>
           <a:extLst>
             <a:ext uri="{909E8E84-426E-40dd-AFC4-6F175D3DCCD1}">
-              <a14:hiddenFill xmlns:a14="http://schemas.microsoft.com/office/drawing/2010/main" xmlns="">
+              <a14:hiddenFill xmlns="" xmlns:a14="http://schemas.microsoft.com/office/drawing/2010/main">
                 <a:solidFill>
                   <a:schemeClr val="accent1"/>
                 </a:solidFill>
               </a14:hiddenFill>
             </a:ext>
             <a:ext uri="{91240B29-F687-4f45-9708-019B960494DF}">
-              <a14:hiddenLine xmlns:a14="http://schemas.microsoft.com/office/drawing/2010/main" xmlns="" w="9525">
+              <a14:hiddenLine xmlns="" xmlns:a14="http://schemas.microsoft.com/office/drawing/2010/main" w="9525">
                 <a:solidFill>
                   <a:schemeClr val="tx1"/>
                 </a:solidFill>
@@ -13405,7 +12771,7 @@
               </a14:hiddenLine>
             </a:ext>
             <a:ext uri="{AF507438-7753-43e0-B8FC-AC1667EBCBE1}">
-              <a14:hiddenEffects xmlns:a14="http://schemas.microsoft.com/office/drawing/2010/main" xmlns="">
+              <a14:hiddenEffects xmlns="" xmlns:a14="http://schemas.microsoft.com/office/drawing/2010/main">
                 <a:effectLst>
                   <a:outerShdw dist="35921" dir="2700000" algn="ctr" rotWithShape="0">
                     <a:schemeClr val="bg2"/>
@@ -13452,14 +12818,14 @@
           <a:effectLst/>
           <a:extLst>
             <a:ext uri="{909E8E84-426E-40dd-AFC4-6F175D3DCCD1}">
-              <a14:hiddenFill xmlns:a14="http://schemas.microsoft.com/office/drawing/2010/main" xmlns="">
+              <a14:hiddenFill xmlns="" xmlns:a14="http://schemas.microsoft.com/office/drawing/2010/main">
                 <a:solidFill>
                   <a:schemeClr val="accent1"/>
                 </a:solidFill>
               </a14:hiddenFill>
             </a:ext>
             <a:ext uri="{91240B29-F687-4f45-9708-019B960494DF}">
-              <a14:hiddenLine xmlns:a14="http://schemas.microsoft.com/office/drawing/2010/main" xmlns="" w="9525">
+              <a14:hiddenLine xmlns="" xmlns:a14="http://schemas.microsoft.com/office/drawing/2010/main" w="9525">
                 <a:solidFill>
                   <a:schemeClr val="tx1"/>
                 </a:solidFill>
@@ -13469,7 +12835,7 @@
               </a14:hiddenLine>
             </a:ext>
             <a:ext uri="{AF507438-7753-43e0-B8FC-AC1667EBCBE1}">
-              <a14:hiddenEffects xmlns:a14="http://schemas.microsoft.com/office/drawing/2010/main" xmlns="">
+              <a14:hiddenEffects xmlns="" xmlns:a14="http://schemas.microsoft.com/office/drawing/2010/main">
                 <a:effectLst>
                   <a:outerShdw dist="35921" dir="2700000" algn="ctr" rotWithShape="0">
                     <a:schemeClr val="bg2"/>
@@ -13604,14 +12970,14 @@
           <a:effectLst/>
           <a:extLst>
             <a:ext uri="{909E8E84-426E-40dd-AFC4-6F175D3DCCD1}">
-              <a14:hiddenFill xmlns:a14="http://schemas.microsoft.com/office/drawing/2010/main" xmlns="">
+              <a14:hiddenFill xmlns="" xmlns:a14="http://schemas.microsoft.com/office/drawing/2010/main">
                 <a:solidFill>
                   <a:schemeClr val="accent1"/>
                 </a:solidFill>
               </a14:hiddenFill>
             </a:ext>
             <a:ext uri="{91240B29-F687-4f45-9708-019B960494DF}">
-              <a14:hiddenLine xmlns:a14="http://schemas.microsoft.com/office/drawing/2010/main" xmlns="" w="9525">
+              <a14:hiddenLine xmlns="" xmlns:a14="http://schemas.microsoft.com/office/drawing/2010/main" w="9525">
                 <a:solidFill>
                   <a:schemeClr val="tx1"/>
                 </a:solidFill>
@@ -13621,7 +12987,7 @@
               </a14:hiddenLine>
             </a:ext>
             <a:ext uri="{AF507438-7753-43e0-B8FC-AC1667EBCBE1}">
-              <a14:hiddenEffects xmlns:a14="http://schemas.microsoft.com/office/drawing/2010/main" xmlns="">
+              <a14:hiddenEffects xmlns="" xmlns:a14="http://schemas.microsoft.com/office/drawing/2010/main">
                 <a:effectLst>
                   <a:outerShdw dist="35921" dir="2700000" algn="ctr" rotWithShape="0">
                     <a:schemeClr val="bg2"/>
@@ -13668,14 +13034,14 @@
           <a:effectLst/>
           <a:extLst>
             <a:ext uri="{909E8E84-426E-40dd-AFC4-6F175D3DCCD1}">
-              <a14:hiddenFill xmlns:a14="http://schemas.microsoft.com/office/drawing/2010/main" xmlns="">
+              <a14:hiddenFill xmlns="" xmlns:a14="http://schemas.microsoft.com/office/drawing/2010/main">
                 <a:solidFill>
                   <a:schemeClr val="accent1"/>
                 </a:solidFill>
               </a14:hiddenFill>
             </a:ext>
             <a:ext uri="{91240B29-F687-4f45-9708-019B960494DF}">
-              <a14:hiddenLine xmlns:a14="http://schemas.microsoft.com/office/drawing/2010/main" xmlns="" w="9525">
+              <a14:hiddenLine xmlns="" xmlns:a14="http://schemas.microsoft.com/office/drawing/2010/main" w="9525">
                 <a:solidFill>
                   <a:schemeClr val="tx1"/>
                 </a:solidFill>
@@ -13685,7 +13051,7 @@
               </a14:hiddenLine>
             </a:ext>
             <a:ext uri="{AF507438-7753-43e0-B8FC-AC1667EBCBE1}">
-              <a14:hiddenEffects xmlns:a14="http://schemas.microsoft.com/office/drawing/2010/main" xmlns="">
+              <a14:hiddenEffects xmlns="" xmlns:a14="http://schemas.microsoft.com/office/drawing/2010/main">
                 <a:effectLst>
                   <a:outerShdw dist="35921" dir="2700000" algn="ctr" rotWithShape="0">
                     <a:schemeClr val="bg2"/>
@@ -13700,6 +13066,519 @@
     <p:extLst>
       <p:ext uri="{BB962C8B-B14F-4D97-AF65-F5344CB8AC3E}">
         <p14:creationId xmlns:p14="http://schemas.microsoft.com/office/powerpoint/2010/main" val="3292836065"/>
+      </p:ext>
+    </p:extLst>
+  </p:cSld>
+  <p:clrMapOvr>
+    <a:masterClrMapping/>
+  </p:clrMapOvr>
+  <mc:AlternateContent xmlns:mc="http://schemas.openxmlformats.org/markup-compatibility/2006" xmlns:p14="http://schemas.microsoft.com/office/powerpoint/2010/main">
+    <mc:Choice Requires="p14">
+      <p:transition spd="med" p14:dur="700">
+        <p:fade/>
+      </p:transition>
+    </mc:Choice>
+    <mc:Fallback xmlns="">
+      <p:transition spd="med">
+        <p:fade/>
+      </p:transition>
+    </mc:Fallback>
+  </mc:AlternateContent>
+</p:sld>
+</file>
+
+<file path=ppt/slides/slide18.xml><?xml version="1.0" encoding="utf-8"?>
+<p:sld xmlns:a="http://schemas.openxmlformats.org/drawingml/2006/main" xmlns:r="http://schemas.openxmlformats.org/officeDocument/2006/relationships" xmlns:p="http://schemas.openxmlformats.org/presentationml/2006/main">
+  <p:cSld>
+    <p:spTree>
+      <p:nvGrpSpPr>
+        <p:cNvPr id="1" name=""/>
+        <p:cNvGrpSpPr/>
+        <p:nvPr/>
+      </p:nvGrpSpPr>
+      <p:grpSpPr>
+        <a:xfrm>
+          <a:off x="0" y="0"/>
+          <a:ext cx="0" cy="0"/>
+          <a:chOff x="0" y="0"/>
+          <a:chExt cx="0" cy="0"/>
+        </a:xfrm>
+      </p:grpSpPr>
+      <p:sp>
+        <p:nvSpPr>
+          <p:cNvPr id="2" name="Title 1"/>
+          <p:cNvSpPr>
+            <a:spLocks noGrp="1"/>
+          </p:cNvSpPr>
+          <p:nvPr>
+            <p:ph type="ctrTitle"/>
+          </p:nvPr>
+        </p:nvSpPr>
+        <p:spPr/>
+        <p:txBody>
+          <a:bodyPr/>
+          <a:lstStyle/>
+          <a:p>
+            <a:r>
+              <a:rPr lang="sv-SE" dirty="0"/>
+              <a:t>Struktur</a:t>
+            </a:r>
+          </a:p>
+        </p:txBody>
+      </p:sp>
+      <p:pic>
+        <p:nvPicPr>
+          <p:cNvPr id="9218" name="Picture 2" descr="C:\Users\tstjo\AppData\Local\Temp\SNAGHTML9b8e1343.PNG"/>
+          <p:cNvPicPr>
+            <a:picLocks noChangeAspect="1" noChangeArrowheads="1"/>
+          </p:cNvPicPr>
+          <p:nvPr/>
+        </p:nvPicPr>
+        <p:blipFill>
+          <a:blip r:embed="rId2">
+            <a:extLst>
+              <a:ext uri="{28A0092B-C50C-407E-A947-70E740481C1C}">
+                <a14:useLocalDpi xmlns:a14="http://schemas.microsoft.com/office/drawing/2010/main" val="0"/>
+              </a:ext>
+            </a:extLst>
+          </a:blip>
+          <a:srcRect/>
+          <a:stretch>
+            <a:fillRect/>
+          </a:stretch>
+        </p:blipFill>
+        <p:spPr bwMode="auto">
+          <a:xfrm>
+            <a:off x="1979712" y="1061337"/>
+            <a:ext cx="4824536" cy="4380171"/>
+          </a:xfrm>
+          <a:prstGeom prst="rect">
+            <a:avLst/>
+          </a:prstGeom>
+          <a:noFill/>
+          <a:extLst>
+            <a:ext uri="{909E8E84-426E-40dd-AFC4-6F175D3DCCD1}">
+              <a14:hiddenFill xmlns="" xmlns:a14="http://schemas.microsoft.com/office/drawing/2010/main">
+                <a:solidFill>
+                  <a:srgbClr val="FFFFFF"/>
+                </a:solidFill>
+              </a14:hiddenFill>
+            </a:ext>
+          </a:extLst>
+        </p:spPr>
+      </p:pic>
+      <p:sp>
+        <p:nvSpPr>
+          <p:cNvPr id="3" name="Rectangle 2"/>
+          <p:cNvSpPr/>
+          <p:nvPr/>
+        </p:nvSpPr>
+        <p:spPr>
+          <a:xfrm>
+            <a:off x="2029034" y="1448357"/>
+            <a:ext cx="4632070" cy="905088"/>
+          </a:xfrm>
+          <a:prstGeom prst="rect">
+            <a:avLst/>
+          </a:prstGeom>
+          <a:ln>
+            <a:tailEnd type="arrow"/>
+          </a:ln>
+        </p:spPr>
+        <p:style>
+          <a:lnRef idx="1">
+            <a:schemeClr val="accent5"/>
+          </a:lnRef>
+          <a:fillRef idx="2">
+            <a:schemeClr val="accent5"/>
+          </a:fillRef>
+          <a:effectRef idx="1">
+            <a:schemeClr val="accent5"/>
+          </a:effectRef>
+          <a:fontRef idx="minor">
+            <a:schemeClr val="dk1"/>
+          </a:fontRef>
+        </p:style>
+        <p:txBody>
+          <a:bodyPr rtlCol="0" anchor="ctr"/>
+          <a:lstStyle/>
+          <a:p>
+            <a:pPr algn="ctr"/>
+            <a:r>
+              <a:rPr lang="sv-SE" dirty="0"/>
+              <a:t>Huvud</a:t>
+            </a:r>
+          </a:p>
+        </p:txBody>
+      </p:sp>
+      <p:sp>
+        <p:nvSpPr>
+          <p:cNvPr id="4" name="Rectangle 3"/>
+          <p:cNvSpPr/>
+          <p:nvPr/>
+        </p:nvSpPr>
+        <p:spPr>
+          <a:xfrm>
+            <a:off x="5522858" y="2346578"/>
+            <a:ext cx="1137374" cy="3045153"/>
+          </a:xfrm>
+          <a:prstGeom prst="rect">
+            <a:avLst/>
+          </a:prstGeom>
+          <a:ln>
+            <a:tailEnd type="arrow"/>
+          </a:ln>
+        </p:spPr>
+        <p:style>
+          <a:lnRef idx="1">
+            <a:schemeClr val="accent4"/>
+          </a:lnRef>
+          <a:fillRef idx="2">
+            <a:schemeClr val="accent4"/>
+          </a:fillRef>
+          <a:effectRef idx="1">
+            <a:schemeClr val="accent4"/>
+          </a:effectRef>
+          <a:fontRef idx="minor">
+            <a:schemeClr val="dk1"/>
+          </a:fontRef>
+        </p:style>
+        <p:txBody>
+          <a:bodyPr rtlCol="0" anchor="ctr"/>
+          <a:lstStyle/>
+          <a:p>
+            <a:pPr algn="ctr"/>
+            <a:r>
+              <a:rPr lang="sv-SE" sz="1600" dirty="0"/>
+              <a:t>Navigation</a:t>
+            </a:r>
+          </a:p>
+        </p:txBody>
+      </p:sp>
+      <p:sp>
+        <p:nvSpPr>
+          <p:cNvPr id="5" name="Rectangle 4"/>
+          <p:cNvSpPr/>
+          <p:nvPr/>
+        </p:nvSpPr>
+        <p:spPr>
+          <a:xfrm>
+            <a:off x="2032838" y="2346578"/>
+            <a:ext cx="3490020" cy="3038552"/>
+          </a:xfrm>
+          <a:prstGeom prst="rect">
+            <a:avLst/>
+          </a:prstGeom>
+          <a:ln>
+            <a:tailEnd type="arrow"/>
+          </a:ln>
+        </p:spPr>
+        <p:style>
+          <a:lnRef idx="1">
+            <a:schemeClr val="accent3"/>
+          </a:lnRef>
+          <a:fillRef idx="2">
+            <a:schemeClr val="accent3"/>
+          </a:fillRef>
+          <a:effectRef idx="1">
+            <a:schemeClr val="accent3"/>
+          </a:effectRef>
+          <a:fontRef idx="minor">
+            <a:schemeClr val="dk1"/>
+          </a:fontRef>
+        </p:style>
+        <p:txBody>
+          <a:bodyPr rtlCol="0" anchor="ctr"/>
+          <a:lstStyle/>
+          <a:p>
+            <a:pPr algn="ctr"/>
+            <a:r>
+              <a:rPr lang="sv-SE" dirty="0"/>
+              <a:t>Innehåll</a:t>
+            </a:r>
+          </a:p>
+        </p:txBody>
+      </p:sp>
+      <p:sp>
+        <p:nvSpPr>
+          <p:cNvPr id="11" name="Rectangle 10"/>
+          <p:cNvSpPr/>
+          <p:nvPr/>
+        </p:nvSpPr>
+        <p:spPr>
+          <a:xfrm>
+            <a:off x="2032838" y="2346578"/>
+            <a:ext cx="3490020" cy="3038552"/>
+          </a:xfrm>
+          <a:prstGeom prst="rect">
+            <a:avLst/>
+          </a:prstGeom>
+          <a:ln>
+            <a:tailEnd type="arrow"/>
+          </a:ln>
+        </p:spPr>
+        <p:style>
+          <a:lnRef idx="1">
+            <a:schemeClr val="accent3"/>
+          </a:lnRef>
+          <a:fillRef idx="2">
+            <a:schemeClr val="accent3"/>
+          </a:fillRef>
+          <a:effectRef idx="1">
+            <a:schemeClr val="accent3"/>
+          </a:effectRef>
+          <a:fontRef idx="minor">
+            <a:schemeClr val="dk1"/>
+          </a:fontRef>
+        </p:style>
+        <p:txBody>
+          <a:bodyPr rtlCol="0" anchor="ctr"/>
+          <a:lstStyle/>
+          <a:p>
+            <a:pPr algn="ctr"/>
+            <a:r>
+              <a:rPr lang="sv-SE" dirty="0"/>
+              <a:t>Innehåll</a:t>
+            </a:r>
+            <a:br>
+              <a:rPr lang="sv-SE" dirty="0"/>
+            </a:br>
+            <a:br>
+              <a:rPr lang="sv-SE" dirty="0"/>
+            </a:br>
+            <a:br>
+              <a:rPr lang="sv-SE" dirty="0"/>
+            </a:br>
+            <a:br>
+              <a:rPr lang="sv-SE" dirty="0"/>
+            </a:br>
+            <a:endParaRPr lang="sv-SE" dirty="0"/>
+          </a:p>
+        </p:txBody>
+      </p:sp>
+      <p:sp>
+        <p:nvSpPr>
+          <p:cNvPr id="12" name="Rectangle 11"/>
+          <p:cNvSpPr/>
+          <p:nvPr/>
+        </p:nvSpPr>
+        <p:spPr>
+          <a:xfrm>
+            <a:off x="2078416" y="2395046"/>
+            <a:ext cx="3399130" cy="1398558"/>
+          </a:xfrm>
+          <a:prstGeom prst="rect">
+            <a:avLst/>
+          </a:prstGeom>
+          <a:noFill/>
+          <a:ln w="28575">
+            <a:tailEnd type="arrow"/>
+          </a:ln>
+        </p:spPr>
+        <p:style>
+          <a:lnRef idx="1">
+            <a:schemeClr val="accent6"/>
+          </a:lnRef>
+          <a:fillRef idx="2">
+            <a:schemeClr val="accent6"/>
+          </a:fillRef>
+          <a:effectRef idx="1">
+            <a:schemeClr val="accent6"/>
+          </a:effectRef>
+          <a:fontRef idx="minor">
+            <a:schemeClr val="dk1"/>
+          </a:fontRef>
+        </p:style>
+        <p:txBody>
+          <a:bodyPr rtlCol="0" anchor="ctr"/>
+          <a:lstStyle/>
+          <a:p>
+            <a:pPr algn="ctr"/>
+            <a:endParaRPr lang="sv-SE"/>
+          </a:p>
+        </p:txBody>
+      </p:sp>
+      <p:sp>
+        <p:nvSpPr>
+          <p:cNvPr id="15" name="Rectangle 14"/>
+          <p:cNvSpPr/>
+          <p:nvPr/>
+        </p:nvSpPr>
+        <p:spPr>
+          <a:xfrm>
+            <a:off x="2141518" y="4009628"/>
+            <a:ext cx="1089026" cy="1080120"/>
+          </a:xfrm>
+          <a:prstGeom prst="rect">
+            <a:avLst/>
+          </a:prstGeom>
+          <a:noFill/>
+          <a:ln w="28575">
+            <a:tailEnd type="arrow"/>
+          </a:ln>
+        </p:spPr>
+        <p:style>
+          <a:lnRef idx="1">
+            <a:schemeClr val="accent1"/>
+          </a:lnRef>
+          <a:fillRef idx="2">
+            <a:schemeClr val="accent1"/>
+          </a:fillRef>
+          <a:effectRef idx="1">
+            <a:schemeClr val="accent1"/>
+          </a:effectRef>
+          <a:fontRef idx="minor">
+            <a:schemeClr val="dk1"/>
+          </a:fontRef>
+        </p:style>
+        <p:txBody>
+          <a:bodyPr rtlCol="0" anchor="ctr"/>
+          <a:lstStyle/>
+          <a:p>
+            <a:pPr algn="ctr"/>
+            <a:r>
+              <a:rPr lang="sv-SE" dirty="0"/>
+              <a:t>Del</a:t>
+            </a:r>
+          </a:p>
+        </p:txBody>
+      </p:sp>
+      <p:sp>
+        <p:nvSpPr>
+          <p:cNvPr id="16" name="Rectangle 15"/>
+          <p:cNvSpPr/>
+          <p:nvPr/>
+        </p:nvSpPr>
+        <p:spPr>
+          <a:xfrm>
+            <a:off x="3268592" y="4014896"/>
+            <a:ext cx="1071269" cy="1080120"/>
+          </a:xfrm>
+          <a:prstGeom prst="rect">
+            <a:avLst/>
+          </a:prstGeom>
+          <a:noFill/>
+          <a:ln w="28575">
+            <a:tailEnd type="arrow"/>
+          </a:ln>
+        </p:spPr>
+        <p:style>
+          <a:lnRef idx="1">
+            <a:schemeClr val="accent1"/>
+          </a:lnRef>
+          <a:fillRef idx="2">
+            <a:schemeClr val="accent1"/>
+          </a:fillRef>
+          <a:effectRef idx="1">
+            <a:schemeClr val="accent1"/>
+          </a:effectRef>
+          <a:fontRef idx="minor">
+            <a:schemeClr val="dk1"/>
+          </a:fontRef>
+        </p:style>
+        <p:txBody>
+          <a:bodyPr rtlCol="0" anchor="ctr"/>
+          <a:lstStyle/>
+          <a:p>
+            <a:pPr algn="ctr"/>
+            <a:r>
+              <a:rPr lang="sv-SE" dirty="0"/>
+              <a:t>Del</a:t>
+            </a:r>
+          </a:p>
+        </p:txBody>
+      </p:sp>
+      <p:sp>
+        <p:nvSpPr>
+          <p:cNvPr id="19" name="Rectangle 18"/>
+          <p:cNvSpPr/>
+          <p:nvPr/>
+        </p:nvSpPr>
+        <p:spPr>
+          <a:xfrm>
+            <a:off x="2082278" y="3835206"/>
+            <a:ext cx="3399130" cy="1398558"/>
+          </a:xfrm>
+          <a:prstGeom prst="rect">
+            <a:avLst/>
+          </a:prstGeom>
+          <a:noFill/>
+          <a:ln w="28575">
+            <a:tailEnd type="arrow"/>
+          </a:ln>
+        </p:spPr>
+        <p:style>
+          <a:lnRef idx="1">
+            <a:schemeClr val="accent6"/>
+          </a:lnRef>
+          <a:fillRef idx="2">
+            <a:schemeClr val="accent6"/>
+          </a:fillRef>
+          <a:effectRef idx="1">
+            <a:schemeClr val="accent6"/>
+          </a:effectRef>
+          <a:fontRef idx="minor">
+            <a:schemeClr val="dk1"/>
+          </a:fontRef>
+        </p:style>
+        <p:txBody>
+          <a:bodyPr rtlCol="0" anchor="ctr"/>
+          <a:lstStyle/>
+          <a:p>
+            <a:pPr algn="ctr"/>
+            <a:endParaRPr lang="sv-SE"/>
+          </a:p>
+        </p:txBody>
+      </p:sp>
+      <p:sp>
+        <p:nvSpPr>
+          <p:cNvPr id="20" name="Rectangle 19"/>
+          <p:cNvSpPr/>
+          <p:nvPr/>
+        </p:nvSpPr>
+        <p:spPr>
+          <a:xfrm>
+            <a:off x="4375374" y="4008222"/>
+            <a:ext cx="1071269" cy="1080120"/>
+          </a:xfrm>
+          <a:prstGeom prst="rect">
+            <a:avLst/>
+          </a:prstGeom>
+          <a:noFill/>
+          <a:ln w="28575">
+            <a:tailEnd type="arrow"/>
+          </a:ln>
+        </p:spPr>
+        <p:style>
+          <a:lnRef idx="1">
+            <a:schemeClr val="accent1"/>
+          </a:lnRef>
+          <a:fillRef idx="2">
+            <a:schemeClr val="accent1"/>
+          </a:fillRef>
+          <a:effectRef idx="1">
+            <a:schemeClr val="accent1"/>
+          </a:effectRef>
+          <a:fontRef idx="minor">
+            <a:schemeClr val="dk1"/>
+          </a:fontRef>
+        </p:style>
+        <p:txBody>
+          <a:bodyPr rtlCol="0" anchor="ctr"/>
+          <a:lstStyle/>
+          <a:p>
+            <a:pPr algn="ctr"/>
+            <a:r>
+              <a:rPr lang="sv-SE" dirty="0"/>
+              <a:t>Del</a:t>
+            </a:r>
+          </a:p>
+        </p:txBody>
+      </p:sp>
+    </p:spTree>
+    <p:extLst>
+      <p:ext uri="{BB962C8B-B14F-4D97-AF65-F5344CB8AC3E}">
+        <p14:creationId xmlns:p14="http://schemas.microsoft.com/office/powerpoint/2010/main" val="3697642067"/>
       </p:ext>
     </p:extLst>
   </p:cSld>
@@ -13792,942 +13671,7 @@
           <a:noFill/>
           <a:extLst>
             <a:ext uri="{909E8E84-426E-40dd-AFC4-6F175D3DCCD1}">
-              <a14:hiddenFill xmlns:a14="http://schemas.microsoft.com/office/drawing/2010/main" xmlns="">
-                <a:solidFill>
-                  <a:srgbClr val="FFFFFF"/>
-                </a:solidFill>
-              </a14:hiddenFill>
-            </a:ext>
-          </a:extLst>
-        </p:spPr>
-      </p:pic>
-      <p:sp>
-        <p:nvSpPr>
-          <p:cNvPr id="3" name="Rectangle 2"/>
-          <p:cNvSpPr/>
-          <p:nvPr/>
-        </p:nvSpPr>
-        <p:spPr>
-          <a:xfrm>
-            <a:off x="2029034" y="1448357"/>
-            <a:ext cx="4632070" cy="905088"/>
-          </a:xfrm>
-          <a:prstGeom prst="rect">
-            <a:avLst/>
-          </a:prstGeom>
-          <a:ln>
-            <a:tailEnd type="arrow"/>
-          </a:ln>
-        </p:spPr>
-        <p:style>
-          <a:lnRef idx="1">
-            <a:schemeClr val="accent5"/>
-          </a:lnRef>
-          <a:fillRef idx="2">
-            <a:schemeClr val="accent5"/>
-          </a:fillRef>
-          <a:effectRef idx="1">
-            <a:schemeClr val="accent5"/>
-          </a:effectRef>
-          <a:fontRef idx="minor">
-            <a:schemeClr val="dk1"/>
-          </a:fontRef>
-        </p:style>
-        <p:txBody>
-          <a:bodyPr rtlCol="0" anchor="ctr"/>
-          <a:lstStyle/>
-          <a:p>
-            <a:pPr algn="ctr"/>
-            <a:r>
-              <a:rPr lang="sv-SE" dirty="0"/>
-              <a:t>Huvud</a:t>
-            </a:r>
-          </a:p>
-        </p:txBody>
-      </p:sp>
-      <p:sp>
-        <p:nvSpPr>
-          <p:cNvPr id="4" name="Rectangle 3"/>
-          <p:cNvSpPr/>
-          <p:nvPr/>
-        </p:nvSpPr>
-        <p:spPr>
-          <a:xfrm>
-            <a:off x="5522858" y="2346578"/>
-            <a:ext cx="1137374" cy="3045153"/>
-          </a:xfrm>
-          <a:prstGeom prst="rect">
-            <a:avLst/>
-          </a:prstGeom>
-          <a:ln>
-            <a:tailEnd type="arrow"/>
-          </a:ln>
-        </p:spPr>
-        <p:style>
-          <a:lnRef idx="1">
-            <a:schemeClr val="accent4"/>
-          </a:lnRef>
-          <a:fillRef idx="2">
-            <a:schemeClr val="accent4"/>
-          </a:fillRef>
-          <a:effectRef idx="1">
-            <a:schemeClr val="accent4"/>
-          </a:effectRef>
-          <a:fontRef idx="minor">
-            <a:schemeClr val="dk1"/>
-          </a:fontRef>
-        </p:style>
-        <p:txBody>
-          <a:bodyPr rtlCol="0" anchor="ctr"/>
-          <a:lstStyle/>
-          <a:p>
-            <a:pPr algn="ctr"/>
-            <a:r>
-              <a:rPr lang="sv-SE" sz="1600" dirty="0"/>
-              <a:t>Navigation</a:t>
-            </a:r>
-          </a:p>
-        </p:txBody>
-      </p:sp>
-      <p:sp>
-        <p:nvSpPr>
-          <p:cNvPr id="5" name="Rectangle 4"/>
-          <p:cNvSpPr/>
-          <p:nvPr/>
-        </p:nvSpPr>
-        <p:spPr>
-          <a:xfrm>
-            <a:off x="2032838" y="2346578"/>
-            <a:ext cx="3490020" cy="3038552"/>
-          </a:xfrm>
-          <a:prstGeom prst="rect">
-            <a:avLst/>
-          </a:prstGeom>
-          <a:ln>
-            <a:tailEnd type="arrow"/>
-          </a:ln>
-        </p:spPr>
-        <p:style>
-          <a:lnRef idx="1">
-            <a:schemeClr val="accent3"/>
-          </a:lnRef>
-          <a:fillRef idx="2">
-            <a:schemeClr val="accent3"/>
-          </a:fillRef>
-          <a:effectRef idx="1">
-            <a:schemeClr val="accent3"/>
-          </a:effectRef>
-          <a:fontRef idx="minor">
-            <a:schemeClr val="dk1"/>
-          </a:fontRef>
-        </p:style>
-        <p:txBody>
-          <a:bodyPr rtlCol="0" anchor="ctr"/>
-          <a:lstStyle/>
-          <a:p>
-            <a:pPr algn="ctr"/>
-            <a:r>
-              <a:rPr lang="sv-SE" dirty="0"/>
-              <a:t>Innehåll</a:t>
-            </a:r>
-          </a:p>
-        </p:txBody>
-      </p:sp>
-      <p:sp>
-        <p:nvSpPr>
-          <p:cNvPr id="11" name="Rectangle 10"/>
-          <p:cNvSpPr/>
-          <p:nvPr/>
-        </p:nvSpPr>
-        <p:spPr>
-          <a:xfrm>
-            <a:off x="2032838" y="2346578"/>
-            <a:ext cx="3490020" cy="3038552"/>
-          </a:xfrm>
-          <a:prstGeom prst="rect">
-            <a:avLst/>
-          </a:prstGeom>
-          <a:ln>
-            <a:tailEnd type="arrow"/>
-          </a:ln>
-        </p:spPr>
-        <p:style>
-          <a:lnRef idx="1">
-            <a:schemeClr val="accent3"/>
-          </a:lnRef>
-          <a:fillRef idx="2">
-            <a:schemeClr val="accent3"/>
-          </a:fillRef>
-          <a:effectRef idx="1">
-            <a:schemeClr val="accent3"/>
-          </a:effectRef>
-          <a:fontRef idx="minor">
-            <a:schemeClr val="dk1"/>
-          </a:fontRef>
-        </p:style>
-        <p:txBody>
-          <a:bodyPr rtlCol="0" anchor="ctr"/>
-          <a:lstStyle/>
-          <a:p>
-            <a:pPr algn="ctr"/>
-            <a:r>
-              <a:rPr lang="sv-SE" dirty="0"/>
-              <a:t>Innehåll</a:t>
-            </a:r>
-            <a:br>
-              <a:rPr lang="sv-SE" dirty="0"/>
-            </a:br>
-            <a:br>
-              <a:rPr lang="sv-SE" dirty="0"/>
-            </a:br>
-            <a:br>
-              <a:rPr lang="sv-SE" dirty="0"/>
-            </a:br>
-            <a:br>
-              <a:rPr lang="sv-SE" dirty="0"/>
-            </a:br>
-            <a:endParaRPr lang="sv-SE" dirty="0"/>
-          </a:p>
-        </p:txBody>
-      </p:sp>
-      <p:sp>
-        <p:nvSpPr>
-          <p:cNvPr id="12" name="Rectangle 11"/>
-          <p:cNvSpPr/>
-          <p:nvPr/>
-        </p:nvSpPr>
-        <p:spPr>
-          <a:xfrm>
-            <a:off x="2078416" y="2395046"/>
-            <a:ext cx="3399130" cy="1398558"/>
-          </a:xfrm>
-          <a:prstGeom prst="rect">
-            <a:avLst/>
-          </a:prstGeom>
-          <a:noFill/>
-          <a:ln w="28575">
-            <a:tailEnd type="arrow"/>
-          </a:ln>
-        </p:spPr>
-        <p:style>
-          <a:lnRef idx="1">
-            <a:schemeClr val="accent6"/>
-          </a:lnRef>
-          <a:fillRef idx="2">
-            <a:schemeClr val="accent6"/>
-          </a:fillRef>
-          <a:effectRef idx="1">
-            <a:schemeClr val="accent6"/>
-          </a:effectRef>
-          <a:fontRef idx="minor">
-            <a:schemeClr val="dk1"/>
-          </a:fontRef>
-        </p:style>
-        <p:txBody>
-          <a:bodyPr rtlCol="0" anchor="ctr"/>
-          <a:lstStyle/>
-          <a:p>
-            <a:pPr algn="ctr"/>
-            <a:endParaRPr lang="sv-SE"/>
-          </a:p>
-        </p:txBody>
-      </p:sp>
-      <p:sp>
-        <p:nvSpPr>
-          <p:cNvPr id="15" name="Rectangle 14"/>
-          <p:cNvSpPr/>
-          <p:nvPr/>
-        </p:nvSpPr>
-        <p:spPr>
-          <a:xfrm>
-            <a:off x="2141518" y="4009628"/>
-            <a:ext cx="1089026" cy="1080120"/>
-          </a:xfrm>
-          <a:prstGeom prst="rect">
-            <a:avLst/>
-          </a:prstGeom>
-          <a:noFill/>
-          <a:ln w="28575">
-            <a:tailEnd type="arrow"/>
-          </a:ln>
-        </p:spPr>
-        <p:style>
-          <a:lnRef idx="1">
-            <a:schemeClr val="accent1"/>
-          </a:lnRef>
-          <a:fillRef idx="2">
-            <a:schemeClr val="accent1"/>
-          </a:fillRef>
-          <a:effectRef idx="1">
-            <a:schemeClr val="accent1"/>
-          </a:effectRef>
-          <a:fontRef idx="minor">
-            <a:schemeClr val="dk1"/>
-          </a:fontRef>
-        </p:style>
-        <p:txBody>
-          <a:bodyPr rtlCol="0" anchor="ctr"/>
-          <a:lstStyle/>
-          <a:p>
-            <a:pPr algn="ctr"/>
-            <a:r>
-              <a:rPr lang="sv-SE" dirty="0"/>
-              <a:t>Del</a:t>
-            </a:r>
-          </a:p>
-        </p:txBody>
-      </p:sp>
-      <p:sp>
-        <p:nvSpPr>
-          <p:cNvPr id="16" name="Rectangle 15"/>
-          <p:cNvSpPr/>
-          <p:nvPr/>
-        </p:nvSpPr>
-        <p:spPr>
-          <a:xfrm>
-            <a:off x="3268592" y="4014896"/>
-            <a:ext cx="1071269" cy="1080120"/>
-          </a:xfrm>
-          <a:prstGeom prst="rect">
-            <a:avLst/>
-          </a:prstGeom>
-          <a:noFill/>
-          <a:ln w="28575">
-            <a:tailEnd type="arrow"/>
-          </a:ln>
-        </p:spPr>
-        <p:style>
-          <a:lnRef idx="1">
-            <a:schemeClr val="accent1"/>
-          </a:lnRef>
-          <a:fillRef idx="2">
-            <a:schemeClr val="accent1"/>
-          </a:fillRef>
-          <a:effectRef idx="1">
-            <a:schemeClr val="accent1"/>
-          </a:effectRef>
-          <a:fontRef idx="minor">
-            <a:schemeClr val="dk1"/>
-          </a:fontRef>
-        </p:style>
-        <p:txBody>
-          <a:bodyPr rtlCol="0" anchor="ctr"/>
-          <a:lstStyle/>
-          <a:p>
-            <a:pPr algn="ctr"/>
-            <a:r>
-              <a:rPr lang="sv-SE" dirty="0"/>
-              <a:t>Del</a:t>
-            </a:r>
-          </a:p>
-        </p:txBody>
-      </p:sp>
-      <p:sp>
-        <p:nvSpPr>
-          <p:cNvPr id="19" name="Rectangle 18"/>
-          <p:cNvSpPr/>
-          <p:nvPr/>
-        </p:nvSpPr>
-        <p:spPr>
-          <a:xfrm>
-            <a:off x="2082278" y="3835206"/>
-            <a:ext cx="3399130" cy="1398558"/>
-          </a:xfrm>
-          <a:prstGeom prst="rect">
-            <a:avLst/>
-          </a:prstGeom>
-          <a:noFill/>
-          <a:ln w="28575">
-            <a:tailEnd type="arrow"/>
-          </a:ln>
-        </p:spPr>
-        <p:style>
-          <a:lnRef idx="1">
-            <a:schemeClr val="accent6"/>
-          </a:lnRef>
-          <a:fillRef idx="2">
-            <a:schemeClr val="accent6"/>
-          </a:fillRef>
-          <a:effectRef idx="1">
-            <a:schemeClr val="accent6"/>
-          </a:effectRef>
-          <a:fontRef idx="minor">
-            <a:schemeClr val="dk1"/>
-          </a:fontRef>
-        </p:style>
-        <p:txBody>
-          <a:bodyPr rtlCol="0" anchor="ctr"/>
-          <a:lstStyle/>
-          <a:p>
-            <a:pPr algn="ctr"/>
-            <a:endParaRPr lang="sv-SE"/>
-          </a:p>
-        </p:txBody>
-      </p:sp>
-      <p:sp>
-        <p:nvSpPr>
-          <p:cNvPr id="20" name="Rectangle 19"/>
-          <p:cNvSpPr/>
-          <p:nvPr/>
-        </p:nvSpPr>
-        <p:spPr>
-          <a:xfrm>
-            <a:off x="4375374" y="4008222"/>
-            <a:ext cx="1071269" cy="1080120"/>
-          </a:xfrm>
-          <a:prstGeom prst="rect">
-            <a:avLst/>
-          </a:prstGeom>
-          <a:noFill/>
-          <a:ln w="28575">
-            <a:tailEnd type="arrow"/>
-          </a:ln>
-        </p:spPr>
-        <p:style>
-          <a:lnRef idx="1">
-            <a:schemeClr val="accent1"/>
-          </a:lnRef>
-          <a:fillRef idx="2">
-            <a:schemeClr val="accent1"/>
-          </a:fillRef>
-          <a:effectRef idx="1">
-            <a:schemeClr val="accent1"/>
-          </a:effectRef>
-          <a:fontRef idx="minor">
-            <a:schemeClr val="dk1"/>
-          </a:fontRef>
-        </p:style>
-        <p:txBody>
-          <a:bodyPr rtlCol="0" anchor="ctr"/>
-          <a:lstStyle/>
-          <a:p>
-            <a:pPr algn="ctr"/>
-            <a:r>
-              <a:rPr lang="sv-SE" dirty="0"/>
-              <a:t>Del</a:t>
-            </a:r>
-          </a:p>
-        </p:txBody>
-      </p:sp>
-    </p:spTree>
-    <p:extLst>
-      <p:ext uri="{BB962C8B-B14F-4D97-AF65-F5344CB8AC3E}">
-        <p14:creationId xmlns:p14="http://schemas.microsoft.com/office/powerpoint/2010/main" val="3697642067"/>
-      </p:ext>
-    </p:extLst>
-  </p:cSld>
-  <p:clrMapOvr>
-    <a:masterClrMapping/>
-  </p:clrMapOvr>
-  <mc:AlternateContent xmlns:mc="http://schemas.openxmlformats.org/markup-compatibility/2006" xmlns:p14="http://schemas.microsoft.com/office/powerpoint/2010/main">
-    <mc:Choice Requires="p14">
-      <p:transition spd="med" p14:dur="700">
-        <p:fade/>
-      </p:transition>
-    </mc:Choice>
-    <mc:Fallback xmlns="">
-      <p:transition spd="med">
-        <p:fade/>
-      </p:transition>
-    </mc:Fallback>
-  </mc:AlternateContent>
-</p:sld>
-</file>
-
-<file path=ppt/slides/slide2.xml><?xml version="1.0" encoding="utf-8"?>
-<p:sld xmlns:a="http://schemas.openxmlformats.org/drawingml/2006/main" xmlns:r="http://schemas.openxmlformats.org/officeDocument/2006/relationships" xmlns:p="http://schemas.openxmlformats.org/presentationml/2006/main">
-  <p:cSld>
-    <p:spTree>
-      <p:nvGrpSpPr>
-        <p:cNvPr id="1" name=""/>
-        <p:cNvGrpSpPr/>
-        <p:nvPr/>
-      </p:nvGrpSpPr>
-      <p:grpSpPr>
-        <a:xfrm>
-          <a:off x="0" y="0"/>
-          <a:ext cx="0" cy="0"/>
-          <a:chOff x="0" y="0"/>
-          <a:chExt cx="0" cy="0"/>
-        </a:xfrm>
-      </p:grpSpPr>
-      <p:sp>
-        <p:nvSpPr>
-          <p:cNvPr id="2" name="Title 1"/>
-          <p:cNvSpPr>
-            <a:spLocks noGrp="1"/>
-          </p:cNvSpPr>
-          <p:nvPr>
-            <p:ph type="ctrTitle"/>
-          </p:nvPr>
-        </p:nvSpPr>
-        <p:spPr/>
-        <p:txBody>
-          <a:bodyPr/>
-          <a:lstStyle/>
-          <a:p>
-            <a:r>
-              <a:rPr lang="sv-SE" b="1" dirty="0"/>
-              <a:t>F02 – HTML</a:t>
-            </a:r>
-          </a:p>
-        </p:txBody>
-      </p:sp>
-      <p:sp>
-        <p:nvSpPr>
-          <p:cNvPr id="15" name="TextBox 14"/>
-          <p:cNvSpPr txBox="1"/>
-          <p:nvPr/>
-        </p:nvSpPr>
-        <p:spPr>
-          <a:xfrm>
-            <a:off x="1403648" y="1378601"/>
-            <a:ext cx="3724096" cy="6494087"/>
-          </a:xfrm>
-          <a:prstGeom prst="rect">
-            <a:avLst/>
-          </a:prstGeom>
-          <a:noFill/>
-        </p:spPr>
-        <p:txBody>
-          <a:bodyPr wrap="none" rtlCol="0">
-            <a:spAutoFit/>
-          </a:bodyPr>
-          <a:lstStyle/>
-          <a:p>
-            <a:r>
-              <a:rPr lang="sv-SE" sz="2800" b="1" dirty="0">
-                <a:latin typeface="Minya Nouvelle" pitchFamily="2" charset="0"/>
-              </a:rPr>
-              <a:t>Dagens agenda</a:t>
-            </a:r>
-          </a:p>
-          <a:p>
-            <a:endParaRPr lang="sv-SE" sz="2800" dirty="0">
-              <a:latin typeface="Minya Nouvelle" pitchFamily="2" charset="0"/>
-            </a:endParaRPr>
-          </a:p>
-          <a:p>
-            <a:pPr marL="285750" indent="-285750">
-              <a:buFont typeface="Arial" charset="0"/>
-              <a:buChar char="•"/>
-            </a:pPr>
-            <a:r>
-              <a:rPr lang="sv-SE" dirty="0" err="1">
-                <a:latin typeface="Minya Nouvelle" pitchFamily="2" charset="0"/>
-              </a:rPr>
-              <a:t>doctype</a:t>
-            </a:r>
-            <a:endParaRPr lang="sv-SE" dirty="0">
-              <a:latin typeface="Minya Nouvelle" pitchFamily="2" charset="0"/>
-            </a:endParaRPr>
-          </a:p>
-          <a:p>
-            <a:pPr marL="285750" indent="-285750">
-              <a:buFont typeface="Arial" charset="0"/>
-              <a:buChar char="•"/>
-            </a:pPr>
-            <a:r>
-              <a:rPr lang="sv-SE" dirty="0">
-                <a:latin typeface="Minya Nouvelle" pitchFamily="2" charset="0"/>
-              </a:rPr>
-              <a:t>&lt;html&gt; &lt;</a:t>
-            </a:r>
-            <a:r>
-              <a:rPr lang="sv-SE" dirty="0" err="1">
-                <a:latin typeface="Minya Nouvelle" pitchFamily="2" charset="0"/>
-              </a:rPr>
-              <a:t>head</a:t>
-            </a:r>
-            <a:r>
-              <a:rPr lang="sv-SE" dirty="0">
-                <a:latin typeface="Minya Nouvelle" pitchFamily="2" charset="0"/>
-              </a:rPr>
-              <a:t>&gt; &lt;</a:t>
-            </a:r>
-            <a:r>
-              <a:rPr lang="sv-SE" dirty="0" err="1">
-                <a:latin typeface="Minya Nouvelle" pitchFamily="2" charset="0"/>
-              </a:rPr>
-              <a:t>body</a:t>
-            </a:r>
-            <a:r>
-              <a:rPr lang="sv-SE" dirty="0">
-                <a:latin typeface="Minya Nouvelle" pitchFamily="2" charset="0"/>
-              </a:rPr>
-              <a:t>&gt; </a:t>
-            </a:r>
-          </a:p>
-          <a:p>
-            <a:pPr marL="285750" indent="-285750">
-              <a:buFont typeface="Arial" charset="0"/>
-              <a:buChar char="•"/>
-            </a:pPr>
-            <a:r>
-              <a:rPr lang="sv-SE" dirty="0">
-                <a:latin typeface="Minya Nouvelle" pitchFamily="2" charset="0"/>
-              </a:rPr>
-              <a:t>taggar, element, attribut, värden</a:t>
-            </a:r>
-          </a:p>
-          <a:p>
-            <a:pPr marL="285750" indent="-285750">
-              <a:buFont typeface="Arial" charset="0"/>
-              <a:buChar char="•"/>
-            </a:pPr>
-            <a:r>
-              <a:rPr lang="sv-SE" dirty="0">
-                <a:latin typeface="Minya Nouvelle" pitchFamily="2" charset="0"/>
-              </a:rPr>
-              <a:t>teckenkodning</a:t>
-            </a:r>
-          </a:p>
-          <a:p>
-            <a:pPr marL="285750" indent="-285750">
-              <a:buFont typeface="Arial" charset="0"/>
-              <a:buChar char="•"/>
-            </a:pPr>
-            <a:r>
-              <a:rPr lang="sv-SE" dirty="0">
-                <a:latin typeface="Minya Nouvelle" pitchFamily="2" charset="0"/>
-              </a:rPr>
-              <a:t>HTML/XHTML</a:t>
-            </a:r>
-          </a:p>
-          <a:p>
-            <a:pPr marL="285750" indent="-285750">
-              <a:buFont typeface="Arial" charset="0"/>
-              <a:buChar char="•"/>
-            </a:pPr>
-            <a:r>
-              <a:rPr lang="sv-SE" dirty="0" err="1">
-                <a:latin typeface="Minya Nouvelle" pitchFamily="2" charset="0"/>
-              </a:rPr>
-              <a:t>Indentering</a:t>
-            </a:r>
-            <a:endParaRPr lang="sv-SE" dirty="0">
-              <a:latin typeface="Minya Nouvelle" pitchFamily="2" charset="0"/>
-            </a:endParaRPr>
-          </a:p>
-          <a:p>
-            <a:pPr marL="285750" indent="-285750">
-              <a:buFont typeface="Arial" charset="0"/>
-              <a:buChar char="•"/>
-            </a:pPr>
-            <a:r>
-              <a:rPr lang="sv-SE" dirty="0">
-                <a:latin typeface="Minya Nouvelle" pitchFamily="2" charset="0"/>
-              </a:rPr>
-              <a:t>Block/</a:t>
-            </a:r>
-            <a:r>
-              <a:rPr lang="sv-SE" dirty="0" err="1">
-                <a:latin typeface="Minya Nouvelle" pitchFamily="2" charset="0"/>
-              </a:rPr>
-              <a:t>inline</a:t>
-            </a:r>
-            <a:r>
-              <a:rPr lang="sv-SE" dirty="0">
-                <a:latin typeface="Minya Nouvelle" pitchFamily="2" charset="0"/>
-              </a:rPr>
-              <a:t>-element</a:t>
-            </a:r>
-          </a:p>
-          <a:p>
-            <a:pPr marL="285750" indent="-285750">
-              <a:buFont typeface="Arial" charset="0"/>
-              <a:buChar char="•"/>
-            </a:pPr>
-            <a:r>
-              <a:rPr lang="sv-SE" dirty="0">
-                <a:latin typeface="Minya Nouvelle" pitchFamily="2" charset="0"/>
-              </a:rPr>
-              <a:t>Struktur</a:t>
-            </a:r>
-          </a:p>
-          <a:p>
-            <a:pPr marL="285750" indent="-285750">
-              <a:buFont typeface="Arial" charset="0"/>
-              <a:buChar char="•"/>
-            </a:pPr>
-            <a:r>
-              <a:rPr lang="sv-SE" dirty="0">
-                <a:latin typeface="Minya Nouvelle" pitchFamily="2" charset="0"/>
-              </a:rPr>
-              <a:t>Grafisk/Logisk formatering</a:t>
-            </a:r>
-          </a:p>
-          <a:p>
-            <a:pPr marL="285750" indent="-285750">
-              <a:buFont typeface="Arial" charset="0"/>
-              <a:buChar char="•"/>
-            </a:pPr>
-            <a:r>
-              <a:rPr lang="sv-SE" dirty="0">
-                <a:latin typeface="Minya Nouvelle" pitchFamily="2" charset="0"/>
-              </a:rPr>
-              <a:t>Taggar</a:t>
-            </a:r>
-          </a:p>
-          <a:p>
-            <a:pPr marL="285750" indent="-285750">
-              <a:buFont typeface="Arial" charset="0"/>
-              <a:buChar char="•"/>
-            </a:pPr>
-            <a:endParaRPr lang="sv-SE" dirty="0">
-              <a:latin typeface="Minya Nouvelle" pitchFamily="2" charset="0"/>
-            </a:endParaRPr>
-          </a:p>
-          <a:p>
-            <a:pPr marL="285750" indent="-285750">
-              <a:buFont typeface="Arial" charset="0"/>
-              <a:buChar char="•"/>
-            </a:pPr>
-            <a:endParaRPr lang="sv-SE" dirty="0">
-              <a:latin typeface="Minya Nouvelle" pitchFamily="2" charset="0"/>
-            </a:endParaRPr>
-          </a:p>
-          <a:p>
-            <a:pPr marL="285750" indent="-285750">
-              <a:buFont typeface="Arial" charset="0"/>
-              <a:buChar char="•"/>
-            </a:pPr>
-            <a:endParaRPr lang="sv-SE" dirty="0">
-              <a:latin typeface="Minya Nouvelle" pitchFamily="2" charset="0"/>
-            </a:endParaRPr>
-          </a:p>
-          <a:p>
-            <a:pPr marL="285750" indent="-285750">
-              <a:buFont typeface="Arial" charset="0"/>
-              <a:buChar char="•"/>
-            </a:pPr>
-            <a:endParaRPr lang="sv-SE" dirty="0">
-              <a:latin typeface="Minya Nouvelle" pitchFamily="2" charset="0"/>
-            </a:endParaRPr>
-          </a:p>
-          <a:p>
-            <a:pPr marL="285750" indent="-285750">
-              <a:buFont typeface="Arial" charset="0"/>
-              <a:buChar char="•"/>
-            </a:pPr>
-            <a:endParaRPr lang="sv-SE" dirty="0">
-              <a:latin typeface="Minya Nouvelle" pitchFamily="2" charset="0"/>
-            </a:endParaRPr>
-          </a:p>
-          <a:p>
-            <a:pPr marL="285750" indent="-285750">
-              <a:buFont typeface="Arial" charset="0"/>
-              <a:buChar char="•"/>
-            </a:pPr>
-            <a:endParaRPr lang="sv-SE" dirty="0">
-              <a:latin typeface="Minya Nouvelle" pitchFamily="2" charset="0"/>
-            </a:endParaRPr>
-          </a:p>
-          <a:p>
-            <a:pPr marL="285750" indent="-285750">
-              <a:buFont typeface="Arial" charset="0"/>
-              <a:buChar char="•"/>
-            </a:pPr>
-            <a:endParaRPr lang="sv-SE" dirty="0">
-              <a:latin typeface="Minya Nouvelle" pitchFamily="2" charset="0"/>
-            </a:endParaRPr>
-          </a:p>
-          <a:p>
-            <a:pPr marL="285750" indent="-285750">
-              <a:buFont typeface="Arial" charset="0"/>
-              <a:buChar char="•"/>
-            </a:pPr>
-            <a:endParaRPr lang="sv-SE" dirty="0">
-              <a:latin typeface="Minya Nouvelle" pitchFamily="2" charset="0"/>
-            </a:endParaRPr>
-          </a:p>
-          <a:p>
-            <a:pPr marL="285750" indent="-285750">
-              <a:buFont typeface="Arial" charset="0"/>
-              <a:buChar char="•"/>
-            </a:pPr>
-            <a:endParaRPr lang="sv-SE" dirty="0">
-              <a:latin typeface="Minya Nouvelle" pitchFamily="2" charset="0"/>
-            </a:endParaRPr>
-          </a:p>
-          <a:p>
-            <a:pPr marL="285750" indent="-285750">
-              <a:buFont typeface="Arial" charset="0"/>
-              <a:buChar char="•"/>
-            </a:pPr>
-            <a:endParaRPr lang="sv-SE" dirty="0">
-              <a:latin typeface="Minya Nouvelle" pitchFamily="2" charset="0"/>
-            </a:endParaRPr>
-          </a:p>
-        </p:txBody>
-      </p:sp>
-      <p:pic>
-        <p:nvPicPr>
-          <p:cNvPr id="9" name="Picture 4" descr="S:\dfm\info\icons\v-collections\v_collections_png\basic_foundation\256x256\shadow\scroll_preferences.png"/>
-          <p:cNvPicPr>
-            <a:picLocks noChangeAspect="1" noChangeArrowheads="1"/>
-          </p:cNvPicPr>
-          <p:nvPr/>
-        </p:nvPicPr>
-        <p:blipFill>
-          <a:blip r:embed="rId2">
-            <a:extLst>
-              <a:ext uri="{28A0092B-C50C-407E-A947-70E740481C1C}">
-                <a14:useLocalDpi xmlns:a14="http://schemas.microsoft.com/office/drawing/2010/main" val="0"/>
-              </a:ext>
-            </a:extLst>
-          </a:blip>
-          <a:srcRect/>
-          <a:stretch>
-            <a:fillRect/>
-          </a:stretch>
-        </p:blipFill>
-        <p:spPr bwMode="auto">
-          <a:xfrm>
-            <a:off x="7020272" y="625252"/>
-            <a:ext cx="1656184" cy="1656184"/>
-          </a:xfrm>
-          <a:prstGeom prst="rect">
-            <a:avLst/>
-          </a:prstGeom>
-          <a:noFill/>
-          <a:extLst>
-            <a:ext uri="{909E8E84-426E-40dd-AFC4-6F175D3DCCD1}">
-              <a14:hiddenFill xmlns:a14="http://schemas.microsoft.com/office/drawing/2010/main" xmlns="">
-                <a:solidFill>
-                  <a:srgbClr val="FFFFFF"/>
-                </a:solidFill>
-              </a14:hiddenFill>
-            </a:ext>
-          </a:extLst>
-        </p:spPr>
-      </p:pic>
-      <p:pic>
-        <p:nvPicPr>
-          <p:cNvPr id="19458" name="Picture 2" descr="S:\dfm\info\icons\v-collections\v_collections_png\basic_foundation\256x256\shadow\document_plain_new.png"/>
-          <p:cNvPicPr>
-            <a:picLocks noChangeAspect="1" noChangeArrowheads="1"/>
-          </p:cNvPicPr>
-          <p:nvPr/>
-        </p:nvPicPr>
-        <p:blipFill>
-          <a:blip r:embed="rId3">
-            <a:extLst>
-              <a:ext uri="{28A0092B-C50C-407E-A947-70E740481C1C}">
-                <a14:useLocalDpi xmlns:a14="http://schemas.microsoft.com/office/drawing/2010/main" val="0"/>
-              </a:ext>
-            </a:extLst>
-          </a:blip>
-          <a:srcRect/>
-          <a:stretch>
-            <a:fillRect/>
-          </a:stretch>
-        </p:blipFill>
-        <p:spPr bwMode="auto">
-          <a:xfrm>
-            <a:off x="5273433" y="2224907"/>
-            <a:ext cx="2438400" cy="2438400"/>
-          </a:xfrm>
-          <a:prstGeom prst="rect">
-            <a:avLst/>
-          </a:prstGeom>
-          <a:noFill/>
-          <a:extLst>
-            <a:ext uri="{909E8E84-426E-40dd-AFC4-6F175D3DCCD1}">
-              <a14:hiddenFill xmlns:a14="http://schemas.microsoft.com/office/drawing/2010/main" xmlns="">
-                <a:solidFill>
-                  <a:srgbClr val="FFFFFF"/>
-                </a:solidFill>
-              </a14:hiddenFill>
-            </a:ext>
-          </a:extLst>
-        </p:spPr>
-      </p:pic>
-    </p:spTree>
-    <p:extLst>
-      <p:ext uri="{BB962C8B-B14F-4D97-AF65-F5344CB8AC3E}">
-        <p14:creationId xmlns:p14="http://schemas.microsoft.com/office/powerpoint/2010/main" val="301083582"/>
-      </p:ext>
-    </p:extLst>
-  </p:cSld>
-  <p:clrMapOvr>
-    <a:masterClrMapping/>
-  </p:clrMapOvr>
-</p:sld>
-</file>
-
-<file path=ppt/slides/slide20.xml><?xml version="1.0" encoding="utf-8"?>
-<p:sld xmlns:a="http://schemas.openxmlformats.org/drawingml/2006/main" xmlns:r="http://schemas.openxmlformats.org/officeDocument/2006/relationships" xmlns:p="http://schemas.openxmlformats.org/presentationml/2006/main">
-  <p:cSld>
-    <p:spTree>
-      <p:nvGrpSpPr>
-        <p:cNvPr id="1" name=""/>
-        <p:cNvGrpSpPr/>
-        <p:nvPr/>
-      </p:nvGrpSpPr>
-      <p:grpSpPr>
-        <a:xfrm>
-          <a:off x="0" y="0"/>
-          <a:ext cx="0" cy="0"/>
-          <a:chOff x="0" y="0"/>
-          <a:chExt cx="0" cy="0"/>
-        </a:xfrm>
-      </p:grpSpPr>
-      <p:sp>
-        <p:nvSpPr>
-          <p:cNvPr id="2" name="Title 1"/>
-          <p:cNvSpPr>
-            <a:spLocks noGrp="1"/>
-          </p:cNvSpPr>
-          <p:nvPr>
-            <p:ph type="ctrTitle"/>
-          </p:nvPr>
-        </p:nvSpPr>
-        <p:spPr/>
-        <p:txBody>
-          <a:bodyPr/>
-          <a:lstStyle/>
-          <a:p>
-            <a:r>
-              <a:rPr lang="sv-SE" dirty="0"/>
-              <a:t>Struktur</a:t>
-            </a:r>
-          </a:p>
-        </p:txBody>
-      </p:sp>
-      <p:pic>
-        <p:nvPicPr>
-          <p:cNvPr id="9218" name="Picture 2" descr="C:\Users\tstjo\AppData\Local\Temp\SNAGHTML9b8e1343.PNG"/>
-          <p:cNvPicPr>
-            <a:picLocks noChangeAspect="1" noChangeArrowheads="1"/>
-          </p:cNvPicPr>
-          <p:nvPr/>
-        </p:nvPicPr>
-        <p:blipFill>
-          <a:blip r:embed="rId2">
-            <a:extLst>
-              <a:ext uri="{28A0092B-C50C-407E-A947-70E740481C1C}">
-                <a14:useLocalDpi xmlns:a14="http://schemas.microsoft.com/office/drawing/2010/main" val="0"/>
-              </a:ext>
-            </a:extLst>
-          </a:blip>
-          <a:srcRect/>
-          <a:stretch>
-            <a:fillRect/>
-          </a:stretch>
-        </p:blipFill>
-        <p:spPr bwMode="auto">
-          <a:xfrm>
-            <a:off x="1979712" y="1061337"/>
-            <a:ext cx="4824536" cy="4380171"/>
-          </a:xfrm>
-          <a:prstGeom prst="rect">
-            <a:avLst/>
-          </a:prstGeom>
-          <a:noFill/>
-          <a:extLst>
-            <a:ext uri="{909E8E84-426E-40dd-AFC4-6F175D3DCCD1}">
-              <a14:hiddenFill xmlns:a14="http://schemas.microsoft.com/office/drawing/2010/main" xmlns="">
+              <a14:hiddenFill xmlns="" xmlns:a14="http://schemas.microsoft.com/office/drawing/2010/main">
                 <a:solidFill>
                   <a:srgbClr val="FFFFFF"/>
                 </a:solidFill>
@@ -16087,7 +15031,430 @@
 </p:sld>
 </file>
 
-<file path=ppt/slides/slide21.xml><?xml version="1.0" encoding="utf-8"?>
+<file path=ppt/slides/slide2.xml><?xml version="1.0" encoding="utf-8"?>
+<p:sld xmlns:a="http://schemas.openxmlformats.org/drawingml/2006/main" xmlns:r="http://schemas.openxmlformats.org/officeDocument/2006/relationships" xmlns:p="http://schemas.openxmlformats.org/presentationml/2006/main">
+  <p:cSld>
+    <p:spTree>
+      <p:nvGrpSpPr>
+        <p:cNvPr id="1" name=""/>
+        <p:cNvGrpSpPr/>
+        <p:nvPr/>
+      </p:nvGrpSpPr>
+      <p:grpSpPr>
+        <a:xfrm>
+          <a:off x="0" y="0"/>
+          <a:ext cx="0" cy="0"/>
+          <a:chOff x="0" y="0"/>
+          <a:chExt cx="0" cy="0"/>
+        </a:xfrm>
+      </p:grpSpPr>
+      <p:sp>
+        <p:nvSpPr>
+          <p:cNvPr id="2" name="Title 1"/>
+          <p:cNvSpPr>
+            <a:spLocks noGrp="1"/>
+          </p:cNvSpPr>
+          <p:nvPr>
+            <p:ph type="ctrTitle"/>
+          </p:nvPr>
+        </p:nvSpPr>
+        <p:spPr/>
+        <p:txBody>
+          <a:bodyPr/>
+          <a:lstStyle/>
+          <a:p>
+            <a:r>
+              <a:rPr lang="sv-SE" b="1"/>
+              <a:t>HTML</a:t>
+            </a:r>
+            <a:endParaRPr lang="sv-SE" b="1" dirty="0"/>
+          </a:p>
+        </p:txBody>
+      </p:sp>
+      <p:sp>
+        <p:nvSpPr>
+          <p:cNvPr id="15" name="TextBox 14"/>
+          <p:cNvSpPr txBox="1"/>
+          <p:nvPr/>
+        </p:nvSpPr>
+        <p:spPr>
+          <a:xfrm>
+            <a:off x="1403648" y="1378601"/>
+            <a:ext cx="3516925" cy="6494085"/>
+          </a:xfrm>
+          <a:prstGeom prst="rect">
+            <a:avLst/>
+          </a:prstGeom>
+          <a:noFill/>
+        </p:spPr>
+        <p:txBody>
+          <a:bodyPr wrap="none" rtlCol="0">
+            <a:spAutoFit/>
+          </a:bodyPr>
+          <a:lstStyle/>
+          <a:p>
+            <a:r>
+              <a:rPr lang="sv-SE" sz="2800" b="1" dirty="0">
+                <a:latin typeface="Minya Nouvelle" pitchFamily="2" charset="0"/>
+              </a:rPr>
+              <a:t>Dagens agenda</a:t>
+            </a:r>
+          </a:p>
+          <a:p>
+            <a:endParaRPr lang="sv-SE" sz="2800" dirty="0">
+              <a:latin typeface="Minya Nouvelle" pitchFamily="2" charset="0"/>
+            </a:endParaRPr>
+          </a:p>
+          <a:p>
+            <a:pPr marL="285750" indent="-285750">
+              <a:buFont typeface="Arial" charset="0"/>
+              <a:buChar char="•"/>
+            </a:pPr>
+            <a:r>
+              <a:rPr lang="sv-SE" dirty="0" err="1">
+                <a:latin typeface="Minya Nouvelle" pitchFamily="2" charset="0"/>
+              </a:rPr>
+              <a:t>doctype</a:t>
+            </a:r>
+            <a:endParaRPr lang="sv-SE" dirty="0">
+              <a:latin typeface="Minya Nouvelle" pitchFamily="2" charset="0"/>
+            </a:endParaRPr>
+          </a:p>
+          <a:p>
+            <a:pPr marL="285750" indent="-285750">
+              <a:buFont typeface="Arial" charset="0"/>
+              <a:buChar char="•"/>
+            </a:pPr>
+            <a:r>
+              <a:rPr lang="sv-SE" dirty="0">
+                <a:latin typeface="Minya Nouvelle" pitchFamily="2" charset="0"/>
+              </a:rPr>
+              <a:t>&lt;html&gt; &lt;</a:t>
+            </a:r>
+            <a:r>
+              <a:rPr lang="sv-SE" dirty="0" err="1">
+                <a:latin typeface="Minya Nouvelle" pitchFamily="2" charset="0"/>
+              </a:rPr>
+              <a:t>head</a:t>
+            </a:r>
+            <a:r>
+              <a:rPr lang="sv-SE" dirty="0">
+                <a:latin typeface="Minya Nouvelle" pitchFamily="2" charset="0"/>
+              </a:rPr>
+              <a:t>&gt; &lt;</a:t>
+            </a:r>
+            <a:r>
+              <a:rPr lang="sv-SE" dirty="0" err="1">
+                <a:latin typeface="Minya Nouvelle" pitchFamily="2" charset="0"/>
+              </a:rPr>
+              <a:t>body</a:t>
+            </a:r>
+            <a:r>
+              <a:rPr lang="sv-SE" dirty="0">
+                <a:latin typeface="Minya Nouvelle" pitchFamily="2" charset="0"/>
+              </a:rPr>
+              <a:t>&gt; </a:t>
+            </a:r>
+          </a:p>
+          <a:p>
+            <a:pPr marL="285750" indent="-285750">
+              <a:buFont typeface="Arial" charset="0"/>
+              <a:buChar char="•"/>
+            </a:pPr>
+            <a:r>
+              <a:rPr lang="sv-SE" dirty="0">
+                <a:latin typeface="Minya Nouvelle" pitchFamily="2" charset="0"/>
+              </a:rPr>
+              <a:t>taggar, element, attribut, värden</a:t>
+            </a:r>
+          </a:p>
+          <a:p>
+            <a:pPr marL="285750" indent="-285750">
+              <a:buFont typeface="Arial" charset="0"/>
+              <a:buChar char="•"/>
+            </a:pPr>
+            <a:r>
+              <a:rPr lang="sv-SE" dirty="0">
+                <a:latin typeface="Minya Nouvelle" pitchFamily="2" charset="0"/>
+              </a:rPr>
+              <a:t>teckenkodning</a:t>
+            </a:r>
+          </a:p>
+          <a:p>
+            <a:pPr marL="285750" indent="-285750">
+              <a:buFont typeface="Arial" charset="0"/>
+              <a:buChar char="•"/>
+            </a:pPr>
+            <a:r>
+              <a:rPr lang="sv-SE" dirty="0">
+                <a:latin typeface="Minya Nouvelle" pitchFamily="2" charset="0"/>
+              </a:rPr>
+              <a:t>HTML</a:t>
+            </a:r>
+          </a:p>
+          <a:p>
+            <a:pPr marL="285750" indent="-285750">
+              <a:buFont typeface="Arial" charset="0"/>
+              <a:buChar char="•"/>
+            </a:pPr>
+            <a:r>
+              <a:rPr lang="sv-SE" dirty="0" err="1">
+                <a:latin typeface="Minya Nouvelle" pitchFamily="2" charset="0"/>
+              </a:rPr>
+              <a:t>Indentering</a:t>
+            </a:r>
+            <a:endParaRPr lang="sv-SE" dirty="0">
+              <a:latin typeface="Minya Nouvelle" pitchFamily="2" charset="0"/>
+            </a:endParaRPr>
+          </a:p>
+          <a:p>
+            <a:pPr marL="285750" indent="-285750">
+              <a:buFont typeface="Arial" charset="0"/>
+              <a:buChar char="•"/>
+            </a:pPr>
+            <a:r>
+              <a:rPr lang="sv-SE" dirty="0">
+                <a:latin typeface="Minya Nouvelle" pitchFamily="2" charset="0"/>
+              </a:rPr>
+              <a:t>Block/</a:t>
+            </a:r>
+            <a:r>
+              <a:rPr lang="sv-SE" dirty="0" err="1">
+                <a:latin typeface="Minya Nouvelle" pitchFamily="2" charset="0"/>
+              </a:rPr>
+              <a:t>inline</a:t>
+            </a:r>
+            <a:r>
+              <a:rPr lang="sv-SE" dirty="0">
+                <a:latin typeface="Minya Nouvelle" pitchFamily="2" charset="0"/>
+              </a:rPr>
+              <a:t>-element</a:t>
+            </a:r>
+          </a:p>
+          <a:p>
+            <a:pPr marL="285750" indent="-285750">
+              <a:buFont typeface="Arial" charset="0"/>
+              <a:buChar char="•"/>
+            </a:pPr>
+            <a:r>
+              <a:rPr lang="sv-SE" dirty="0">
+                <a:latin typeface="Minya Nouvelle" pitchFamily="2" charset="0"/>
+              </a:rPr>
+              <a:t>Struktur</a:t>
+            </a:r>
+          </a:p>
+          <a:p>
+            <a:pPr marL="285750" indent="-285750">
+              <a:buFont typeface="Arial" charset="0"/>
+              <a:buChar char="•"/>
+            </a:pPr>
+            <a:r>
+              <a:rPr lang="sv-SE" dirty="0">
+                <a:latin typeface="Minya Nouvelle" pitchFamily="2" charset="0"/>
+              </a:rPr>
+              <a:t>Grafisk/Logisk formatering</a:t>
+            </a:r>
+          </a:p>
+          <a:p>
+            <a:pPr marL="285750" indent="-285750">
+              <a:buFont typeface="Arial" charset="0"/>
+              <a:buChar char="•"/>
+            </a:pPr>
+            <a:r>
+              <a:rPr lang="sv-SE" dirty="0">
+                <a:latin typeface="Minya Nouvelle" pitchFamily="2" charset="0"/>
+              </a:rPr>
+              <a:t>Taggar</a:t>
+            </a:r>
+          </a:p>
+          <a:p>
+            <a:pPr marL="285750" indent="-285750">
+              <a:buFont typeface="Arial" charset="0"/>
+              <a:buChar char="•"/>
+            </a:pPr>
+            <a:endParaRPr lang="sv-SE" dirty="0">
+              <a:latin typeface="Minya Nouvelle" pitchFamily="2" charset="0"/>
+            </a:endParaRPr>
+          </a:p>
+          <a:p>
+            <a:pPr marL="285750" indent="-285750">
+              <a:buFont typeface="Arial" charset="0"/>
+              <a:buChar char="•"/>
+            </a:pPr>
+            <a:endParaRPr lang="sv-SE" dirty="0">
+              <a:latin typeface="Minya Nouvelle" pitchFamily="2" charset="0"/>
+            </a:endParaRPr>
+          </a:p>
+          <a:p>
+            <a:pPr marL="285750" indent="-285750">
+              <a:buFont typeface="Arial" charset="0"/>
+              <a:buChar char="•"/>
+            </a:pPr>
+            <a:endParaRPr lang="sv-SE" dirty="0">
+              <a:latin typeface="Minya Nouvelle" pitchFamily="2" charset="0"/>
+            </a:endParaRPr>
+          </a:p>
+          <a:p>
+            <a:pPr marL="285750" indent="-285750">
+              <a:buFont typeface="Arial" charset="0"/>
+              <a:buChar char="•"/>
+            </a:pPr>
+            <a:endParaRPr lang="sv-SE" dirty="0">
+              <a:latin typeface="Minya Nouvelle" pitchFamily="2" charset="0"/>
+            </a:endParaRPr>
+          </a:p>
+          <a:p>
+            <a:pPr marL="285750" indent="-285750">
+              <a:buFont typeface="Arial" charset="0"/>
+              <a:buChar char="•"/>
+            </a:pPr>
+            <a:endParaRPr lang="sv-SE" dirty="0">
+              <a:latin typeface="Minya Nouvelle" pitchFamily="2" charset="0"/>
+            </a:endParaRPr>
+          </a:p>
+          <a:p>
+            <a:pPr marL="285750" indent="-285750">
+              <a:buFont typeface="Arial" charset="0"/>
+              <a:buChar char="•"/>
+            </a:pPr>
+            <a:endParaRPr lang="sv-SE" dirty="0">
+              <a:latin typeface="Minya Nouvelle" pitchFamily="2" charset="0"/>
+            </a:endParaRPr>
+          </a:p>
+          <a:p>
+            <a:pPr marL="285750" indent="-285750">
+              <a:buFont typeface="Arial" charset="0"/>
+              <a:buChar char="•"/>
+            </a:pPr>
+            <a:endParaRPr lang="sv-SE" dirty="0">
+              <a:latin typeface="Minya Nouvelle" pitchFamily="2" charset="0"/>
+            </a:endParaRPr>
+          </a:p>
+          <a:p>
+            <a:pPr marL="285750" indent="-285750">
+              <a:buFont typeface="Arial" charset="0"/>
+              <a:buChar char="•"/>
+            </a:pPr>
+            <a:endParaRPr lang="sv-SE" dirty="0">
+              <a:latin typeface="Minya Nouvelle" pitchFamily="2" charset="0"/>
+            </a:endParaRPr>
+          </a:p>
+          <a:p>
+            <a:pPr marL="285750" indent="-285750">
+              <a:buFont typeface="Arial" charset="0"/>
+              <a:buChar char="•"/>
+            </a:pPr>
+            <a:endParaRPr lang="sv-SE" dirty="0">
+              <a:latin typeface="Minya Nouvelle" pitchFamily="2" charset="0"/>
+            </a:endParaRPr>
+          </a:p>
+          <a:p>
+            <a:pPr marL="285750" indent="-285750">
+              <a:buFont typeface="Arial" charset="0"/>
+              <a:buChar char="•"/>
+            </a:pPr>
+            <a:endParaRPr lang="sv-SE" dirty="0">
+              <a:latin typeface="Minya Nouvelle" pitchFamily="2" charset="0"/>
+            </a:endParaRPr>
+          </a:p>
+        </p:txBody>
+      </p:sp>
+      <p:pic>
+        <p:nvPicPr>
+          <p:cNvPr id="9" name="Picture 4" descr="S:\dfm\info\icons\v-collections\v_collections_png\basic_foundation\256x256\shadow\scroll_preferences.png"/>
+          <p:cNvPicPr>
+            <a:picLocks noChangeAspect="1" noChangeArrowheads="1"/>
+          </p:cNvPicPr>
+          <p:nvPr/>
+        </p:nvPicPr>
+        <p:blipFill>
+          <a:blip r:embed="rId2">
+            <a:extLst>
+              <a:ext uri="{28A0092B-C50C-407E-A947-70E740481C1C}">
+                <a14:useLocalDpi xmlns:a14="http://schemas.microsoft.com/office/drawing/2010/main" val="0"/>
+              </a:ext>
+            </a:extLst>
+          </a:blip>
+          <a:srcRect/>
+          <a:stretch>
+            <a:fillRect/>
+          </a:stretch>
+        </p:blipFill>
+        <p:spPr bwMode="auto">
+          <a:xfrm>
+            <a:off x="7020272" y="625252"/>
+            <a:ext cx="1656184" cy="1656184"/>
+          </a:xfrm>
+          <a:prstGeom prst="rect">
+            <a:avLst/>
+          </a:prstGeom>
+          <a:noFill/>
+          <a:extLst>
+            <a:ext uri="{909E8E84-426E-40dd-AFC4-6F175D3DCCD1}">
+              <a14:hiddenFill xmlns="" xmlns:a14="http://schemas.microsoft.com/office/drawing/2010/main">
+                <a:solidFill>
+                  <a:srgbClr val="FFFFFF"/>
+                </a:solidFill>
+              </a14:hiddenFill>
+            </a:ext>
+          </a:extLst>
+        </p:spPr>
+      </p:pic>
+      <p:pic>
+        <p:nvPicPr>
+          <p:cNvPr id="19458" name="Picture 2" descr="S:\dfm\info\icons\v-collections\v_collections_png\basic_foundation\256x256\shadow\document_plain_new.png"/>
+          <p:cNvPicPr>
+            <a:picLocks noChangeAspect="1" noChangeArrowheads="1"/>
+          </p:cNvPicPr>
+          <p:nvPr/>
+        </p:nvPicPr>
+        <p:blipFill>
+          <a:blip r:embed="rId3">
+            <a:extLst>
+              <a:ext uri="{28A0092B-C50C-407E-A947-70E740481C1C}">
+                <a14:useLocalDpi xmlns:a14="http://schemas.microsoft.com/office/drawing/2010/main" val="0"/>
+              </a:ext>
+            </a:extLst>
+          </a:blip>
+          <a:srcRect/>
+          <a:stretch>
+            <a:fillRect/>
+          </a:stretch>
+        </p:blipFill>
+        <p:spPr bwMode="auto">
+          <a:xfrm>
+            <a:off x="5273433" y="2224907"/>
+            <a:ext cx="2438400" cy="2438400"/>
+          </a:xfrm>
+          <a:prstGeom prst="rect">
+            <a:avLst/>
+          </a:prstGeom>
+          <a:noFill/>
+          <a:extLst>
+            <a:ext uri="{909E8E84-426E-40dd-AFC4-6F175D3DCCD1}">
+              <a14:hiddenFill xmlns="" xmlns:a14="http://schemas.microsoft.com/office/drawing/2010/main">
+                <a:solidFill>
+                  <a:srgbClr val="FFFFFF"/>
+                </a:solidFill>
+              </a14:hiddenFill>
+            </a:ext>
+          </a:extLst>
+        </p:spPr>
+      </p:pic>
+    </p:spTree>
+    <p:extLst>
+      <p:ext uri="{BB962C8B-B14F-4D97-AF65-F5344CB8AC3E}">
+        <p14:creationId xmlns:p14="http://schemas.microsoft.com/office/powerpoint/2010/main" val="301083582"/>
+      </p:ext>
+    </p:extLst>
+  </p:cSld>
+  <p:clrMapOvr>
+    <a:masterClrMapping/>
+  </p:clrMapOvr>
+</p:sld>
+</file>
+
+<file path=ppt/slides/slide20.xml><?xml version="1.0" encoding="utf-8"?>
 <p:sld xmlns:a="http://schemas.openxmlformats.org/drawingml/2006/main" xmlns:r="http://schemas.openxmlformats.org/officeDocument/2006/relationships" xmlns:p="http://schemas.openxmlformats.org/presentationml/2006/main">
   <p:cSld>
     <p:spTree>
@@ -16158,7 +15525,7 @@
           <a:noFill/>
           <a:extLst>
             <a:ext uri="{909E8E84-426E-40dd-AFC4-6F175D3DCCD1}">
-              <a14:hiddenFill xmlns:a14="http://schemas.microsoft.com/office/drawing/2010/main" xmlns="">
+              <a14:hiddenFill xmlns="" xmlns:a14="http://schemas.microsoft.com/office/drawing/2010/main">
                 <a:solidFill>
                   <a:srgbClr val="FFFFFF"/>
                 </a:solidFill>
@@ -16705,7 +16072,7 @@
 </p:sld>
 </file>
 
-<file path=ppt/slides/slide22.xml><?xml version="1.0" encoding="utf-8"?>
+<file path=ppt/slides/slide21.xml><?xml version="1.0" encoding="utf-8"?>
 <p:sld xmlns:a="http://schemas.openxmlformats.org/drawingml/2006/main" xmlns:r="http://schemas.openxmlformats.org/officeDocument/2006/relationships" xmlns:p="http://schemas.openxmlformats.org/presentationml/2006/main">
   <p:cSld>
     <p:spTree>
@@ -17577,7 +16944,7 @@
           <a:noFill/>
           <a:extLst>
             <a:ext uri="{909E8E84-426E-40dd-AFC4-6F175D3DCCD1}">
-              <a14:hiddenFill xmlns:a14="http://schemas.microsoft.com/office/drawing/2010/main" xmlns="">
+              <a14:hiddenFill xmlns="" xmlns:a14="http://schemas.microsoft.com/office/drawing/2010/main">
                 <a:solidFill>
                   <a:srgbClr val="FFFFFF"/>
                 </a:solidFill>
@@ -18143,7 +17510,7 @@
 </p:sld>
 </file>
 
-<file path=ppt/slides/slide23.xml><?xml version="1.0" encoding="utf-8"?>
+<file path=ppt/slides/slide22.xml><?xml version="1.0" encoding="utf-8"?>
 <p:sld xmlns:a="http://schemas.openxmlformats.org/drawingml/2006/main" xmlns:r="http://schemas.openxmlformats.org/officeDocument/2006/relationships" xmlns:p="http://schemas.openxmlformats.org/presentationml/2006/main">
   <p:cSld>
     <p:spTree>
@@ -18310,7 +17677,7 @@
 </p:sld>
 </file>
 
-<file path=ppt/slides/slide24.xml><?xml version="1.0" encoding="utf-8"?>
+<file path=ppt/slides/slide23.xml><?xml version="1.0" encoding="utf-8"?>
 <p:sld xmlns:a="http://schemas.openxmlformats.org/drawingml/2006/main" xmlns:r="http://schemas.openxmlformats.org/officeDocument/2006/relationships" xmlns:p="http://schemas.openxmlformats.org/presentationml/2006/main">
   <p:cSld>
     <p:spTree>
@@ -21963,14 +21330,14 @@
           <a:effectLst/>
           <a:extLst>
             <a:ext uri="{909E8E84-426E-40dd-AFC4-6F175D3DCCD1}">
-              <a14:hiddenFill xmlns:a14="http://schemas.microsoft.com/office/drawing/2010/main" xmlns="">
+              <a14:hiddenFill xmlns="" xmlns:a14="http://schemas.microsoft.com/office/drawing/2010/main">
                 <a:solidFill>
                   <a:schemeClr val="accent1"/>
                 </a:solidFill>
               </a14:hiddenFill>
             </a:ext>
             <a:ext uri="{91240B29-F687-4f45-9708-019B960494DF}">
-              <a14:hiddenLine xmlns:a14="http://schemas.microsoft.com/office/drawing/2010/main" xmlns="" w="9525">
+              <a14:hiddenLine xmlns="" xmlns:a14="http://schemas.microsoft.com/office/drawing/2010/main" w="9525">
                 <a:solidFill>
                   <a:schemeClr val="tx1"/>
                 </a:solidFill>
@@ -21980,7 +21347,7 @@
               </a14:hiddenLine>
             </a:ext>
             <a:ext uri="{AF507438-7753-43e0-B8FC-AC1667EBCBE1}">
-              <a14:hiddenEffects xmlns:a14="http://schemas.microsoft.com/office/drawing/2010/main" xmlns="">
+              <a14:hiddenEffects xmlns="" xmlns:a14="http://schemas.microsoft.com/office/drawing/2010/main">
                 <a:effectLst>
                   <a:outerShdw dist="35921" dir="2700000" algn="ctr" rotWithShape="0">
                     <a:schemeClr val="bg2"/>
@@ -22023,7 +21390,7 @@
           <a:noFill/>
           <a:extLst>
             <a:ext uri="{909E8E84-426E-40dd-AFC4-6F175D3DCCD1}">
-              <a14:hiddenFill xmlns:a14="http://schemas.microsoft.com/office/drawing/2010/main" xmlns="">
+              <a14:hiddenFill xmlns="" xmlns:a14="http://schemas.microsoft.com/office/drawing/2010/main">
                 <a:solidFill>
                   <a:srgbClr val="FFFFFF"/>
                 </a:solidFill>
